--- a/Neon Blue- Critque ppt.pptx
+++ b/Neon Blue- Critque ppt.pptx
@@ -124,7 +124,7 @@
 <file path=ppt/revisionInfo.xml><?xml version="1.0" encoding="utf-8"?>
 <p1510:revInfo xmlns:a="http://schemas.openxmlformats.org/drawingml/2006/main" xmlns:r="http://schemas.openxmlformats.org/officeDocument/2006/relationships" xmlns:p1510="http://schemas.microsoft.com/office/powerpoint/2015/10/main">
   <p1510:revLst>
-    <p1510:client id="{976C1A9D-E671-4ADE-98B3-C19D0CFFEC42}" v="39" dt="2023-04-16T07:24:24.015"/>
+    <p1510:client id="{86194307-D910-49AA-9312-93A888D8152A}" v="24" dt="2023-04-16T10:14:32.794"/>
   </p1510:revLst>
 </p1510:revInfo>
 </file>
@@ -3601,10 +3601,2097 @@
       </p:grpSpPr>
       <p:pic>
         <p:nvPicPr>
-          <p:cNvPr id="2" name="Picture 2" descr="Gaming Review Scores Old Vs New : r/pcmasterrace">
-            <a:extLst>
-              <a:ext uri="{FF2B5EF4-FFF2-40B4-BE49-F238E27FC236}">
-                <a16:creationId xmlns:a16="http://schemas.microsoft.com/office/drawing/2014/main" id="{F2A48E7E-01E0-17B8-E502-0C587B13F779}"/>
+          <p:cNvPr id="2050" name="Picture 2" descr="What Is Speculative Fiction? | Annie Neugebauer" hidden="1">
+            <a:extLst>
+              <a:ext uri="{FF2B5EF4-FFF2-40B4-BE49-F238E27FC236}">
+                <a16:creationId xmlns:a16="http://schemas.microsoft.com/office/drawing/2014/main" id="{7DB55ED5-ECC4-B560-F397-ADA23803289F}"/>
+              </a:ext>
+            </a:extLst>
+          </p:cNvPr>
+          <p:cNvPicPr>
+            <a:picLocks noChangeAspect="1" noChangeArrowheads="1"/>
+          </p:cNvPicPr>
+          <p:nvPr/>
+        </p:nvPicPr>
+        <p:blipFill>
+          <a:blip r:embed="rId2">
+            <a:extLst>
+              <a:ext uri="{28A0092B-C50C-407E-A947-70E740481C1C}">
+                <a14:useLocalDpi xmlns:a14="http://schemas.microsoft.com/office/drawing/2010/main" val="0"/>
+              </a:ext>
+            </a:extLst>
+          </a:blip>
+          <a:srcRect/>
+          <a:stretch>
+            <a:fillRect/>
+          </a:stretch>
+        </p:blipFill>
+        <p:spPr bwMode="auto">
+          <a:xfrm>
+            <a:off x="0" y="0"/>
+            <a:ext cx="4257675" cy="4229100"/>
+          </a:xfrm>
+          <a:prstGeom prst="rect">
+            <a:avLst/>
+          </a:prstGeom>
+          <a:noFill/>
+          <a:extLst>
+            <a:ext uri="{909E8E84-426E-40DD-AFC4-6F175D3DCCD1}">
+              <a14:hiddenFill xmlns:a14="http://schemas.microsoft.com/office/drawing/2010/main">
+                <a:solidFill>
+                  <a:srgbClr val="FFFFFF"/>
+                </a:solidFill>
+              </a14:hiddenFill>
+            </a:ext>
+          </a:extLst>
+        </p:spPr>
+      </p:pic>
+      <p:grpSp>
+        <p:nvGrpSpPr>
+          <p:cNvPr id="13" name="Group 12" hidden="1">
+            <a:extLst>
+              <a:ext uri="{FF2B5EF4-FFF2-40B4-BE49-F238E27FC236}">
+                <a16:creationId xmlns:a16="http://schemas.microsoft.com/office/drawing/2014/main" id="{B85B5392-BE07-29EA-538E-D0960278DA64}"/>
+              </a:ext>
+            </a:extLst>
+          </p:cNvPr>
+          <p:cNvGrpSpPr/>
+          <p:nvPr/>
+        </p:nvGrpSpPr>
+        <p:grpSpPr>
+          <a:xfrm>
+            <a:off x="7296540" y="1324946"/>
+            <a:ext cx="4481688" cy="4408335"/>
+            <a:chOff x="6718041" y="326571"/>
+            <a:chExt cx="4481688" cy="4408335"/>
+          </a:xfrm>
+        </p:grpSpPr>
+        <p:sp>
+          <p:nvSpPr>
+            <p:cNvPr id="2" name="Oval 1">
+              <a:extLst>
+                <a:ext uri="{FF2B5EF4-FFF2-40B4-BE49-F238E27FC236}">
+                  <a16:creationId xmlns:a16="http://schemas.microsoft.com/office/drawing/2014/main" id="{5FBAF2B1-C275-C2F3-4E9B-509C6992ED9C}"/>
+                </a:ext>
+              </a:extLst>
+            </p:cNvPr>
+            <p:cNvSpPr/>
+            <p:nvPr/>
+          </p:nvSpPr>
+          <p:spPr>
+            <a:xfrm>
+              <a:off x="6718041" y="326571"/>
+              <a:ext cx="3900196" cy="3713584"/>
+            </a:xfrm>
+            <a:prstGeom prst="ellipse">
+              <a:avLst/>
+            </a:prstGeom>
+            <a:solidFill>
+              <a:srgbClr val="FFFF00">
+                <a:alpha val="56863"/>
+              </a:srgbClr>
+            </a:solidFill>
+            <a:ln>
+              <a:noFill/>
+            </a:ln>
+          </p:spPr>
+          <p:style>
+            <a:lnRef idx="2">
+              <a:schemeClr val="accent1">
+                <a:shade val="50000"/>
+              </a:schemeClr>
+            </a:lnRef>
+            <a:fillRef idx="1">
+              <a:schemeClr val="accent1"/>
+            </a:fillRef>
+            <a:effectRef idx="0">
+              <a:schemeClr val="accent1"/>
+            </a:effectRef>
+            <a:fontRef idx="minor">
+              <a:schemeClr val="lt1"/>
+            </a:fontRef>
+          </p:style>
+          <p:txBody>
+            <a:bodyPr rtlCol="0" anchor="ctr"/>
+            <a:lstStyle/>
+            <a:p>
+              <a:pPr algn="ctr"/>
+              <a:endParaRPr lang="en-IN" dirty="0"/>
+            </a:p>
+          </p:txBody>
+        </p:sp>
+        <p:sp>
+          <p:nvSpPr>
+            <p:cNvPr id="5" name="Oval 4">
+              <a:extLst>
+                <a:ext uri="{FF2B5EF4-FFF2-40B4-BE49-F238E27FC236}">
+                  <a16:creationId xmlns:a16="http://schemas.microsoft.com/office/drawing/2014/main" id="{1D8F61AF-963B-B4C1-AB95-ED72C60DE8E9}"/>
+                </a:ext>
+              </a:extLst>
+            </p:cNvPr>
+            <p:cNvSpPr/>
+            <p:nvPr/>
+          </p:nvSpPr>
+          <p:spPr>
+            <a:xfrm>
+              <a:off x="7070456" y="2360448"/>
+              <a:ext cx="2071396" cy="1973424"/>
+            </a:xfrm>
+            <a:prstGeom prst="ellipse">
+              <a:avLst/>
+            </a:prstGeom>
+            <a:solidFill>
+              <a:srgbClr val="B2B5FD">
+                <a:alpha val="71000"/>
+              </a:srgbClr>
+            </a:solidFill>
+            <a:ln>
+              <a:noFill/>
+            </a:ln>
+          </p:spPr>
+          <p:style>
+            <a:lnRef idx="2">
+              <a:schemeClr val="accent1">
+                <a:shade val="50000"/>
+              </a:schemeClr>
+            </a:lnRef>
+            <a:fillRef idx="1">
+              <a:schemeClr val="accent1"/>
+            </a:fillRef>
+            <a:effectRef idx="0">
+              <a:schemeClr val="accent1"/>
+            </a:effectRef>
+            <a:fontRef idx="minor">
+              <a:schemeClr val="lt1"/>
+            </a:fontRef>
+          </p:style>
+          <p:txBody>
+            <a:bodyPr rtlCol="0" anchor="ctr"/>
+            <a:lstStyle/>
+            <a:p>
+              <a:pPr algn="ctr"/>
+              <a:endParaRPr lang="en-IN" dirty="0"/>
+            </a:p>
+          </p:txBody>
+        </p:sp>
+        <p:sp>
+          <p:nvSpPr>
+            <p:cNvPr id="3" name="Oval 2">
+              <a:extLst>
+                <a:ext uri="{FF2B5EF4-FFF2-40B4-BE49-F238E27FC236}">
+                  <a16:creationId xmlns:a16="http://schemas.microsoft.com/office/drawing/2014/main" id="{9198F99E-A30C-CB38-383D-170A2F5B847A}"/>
+                </a:ext>
+              </a:extLst>
+            </p:cNvPr>
+            <p:cNvSpPr/>
+            <p:nvPr/>
+          </p:nvSpPr>
+          <p:spPr>
+            <a:xfrm>
+              <a:off x="7386379" y="869168"/>
+              <a:ext cx="2556382" cy="2612648"/>
+            </a:xfrm>
+            <a:prstGeom prst="ellipse">
+              <a:avLst/>
+            </a:prstGeom>
+            <a:solidFill>
+              <a:srgbClr val="26FE02">
+                <a:alpha val="42000"/>
+              </a:srgbClr>
+            </a:solidFill>
+            <a:ln>
+              <a:noFill/>
+            </a:ln>
+          </p:spPr>
+          <p:style>
+            <a:lnRef idx="2">
+              <a:schemeClr val="accent1">
+                <a:shade val="50000"/>
+              </a:schemeClr>
+            </a:lnRef>
+            <a:fillRef idx="1">
+              <a:schemeClr val="accent1"/>
+            </a:fillRef>
+            <a:effectRef idx="0">
+              <a:schemeClr val="accent1"/>
+            </a:effectRef>
+            <a:fontRef idx="minor">
+              <a:schemeClr val="lt1"/>
+            </a:fontRef>
+          </p:style>
+          <p:txBody>
+            <a:bodyPr rtlCol="0" anchor="ctr"/>
+            <a:lstStyle/>
+            <a:p>
+              <a:pPr algn="ctr"/>
+              <a:endParaRPr lang="en-IN" dirty="0"/>
+            </a:p>
+          </p:txBody>
+        </p:sp>
+        <p:sp>
+          <p:nvSpPr>
+            <p:cNvPr id="4" name="Oval 3">
+              <a:extLst>
+                <a:ext uri="{FF2B5EF4-FFF2-40B4-BE49-F238E27FC236}">
+                  <a16:creationId xmlns:a16="http://schemas.microsoft.com/office/drawing/2014/main" id="{D7456836-BADB-6F4B-F17E-B3AECC5861E6}"/>
+                </a:ext>
+              </a:extLst>
+            </p:cNvPr>
+            <p:cNvSpPr/>
+            <p:nvPr/>
+          </p:nvSpPr>
+          <p:spPr>
+            <a:xfrm>
+              <a:off x="9790806" y="332115"/>
+              <a:ext cx="1408923" cy="1371600"/>
+            </a:xfrm>
+            <a:prstGeom prst="ellipse">
+              <a:avLst/>
+            </a:prstGeom>
+            <a:solidFill>
+              <a:srgbClr val="00C072">
+                <a:alpha val="47000"/>
+              </a:srgbClr>
+            </a:solidFill>
+            <a:ln>
+              <a:noFill/>
+            </a:ln>
+          </p:spPr>
+          <p:style>
+            <a:lnRef idx="2">
+              <a:schemeClr val="accent1">
+                <a:shade val="50000"/>
+              </a:schemeClr>
+            </a:lnRef>
+            <a:fillRef idx="1">
+              <a:schemeClr val="accent1"/>
+            </a:fillRef>
+            <a:effectRef idx="0">
+              <a:schemeClr val="accent1"/>
+            </a:effectRef>
+            <a:fontRef idx="minor">
+              <a:schemeClr val="lt1"/>
+            </a:fontRef>
+          </p:style>
+          <p:txBody>
+            <a:bodyPr rtlCol="0" anchor="ctr"/>
+            <a:lstStyle/>
+            <a:p>
+              <a:pPr algn="ctr"/>
+              <a:r>
+                <a:rPr lang="en-IN" sz="1700" dirty="0">
+                  <a:solidFill>
+                    <a:schemeClr val="tx1">
+                      <a:lumMod val="85000"/>
+                      <a:lumOff val="15000"/>
+                    </a:schemeClr>
+                  </a:solidFill>
+                  <a:latin typeface="+mj-lt"/>
+                </a:rPr>
+                <a:t>Historical</a:t>
+              </a:r>
+            </a:p>
+          </p:txBody>
+        </p:sp>
+        <p:sp>
+          <p:nvSpPr>
+            <p:cNvPr id="6" name="Oval 5">
+              <a:extLst>
+                <a:ext uri="{FF2B5EF4-FFF2-40B4-BE49-F238E27FC236}">
+                  <a16:creationId xmlns:a16="http://schemas.microsoft.com/office/drawing/2014/main" id="{13557E53-D854-0AB4-4D42-5F89C2810146}"/>
+                </a:ext>
+              </a:extLst>
+            </p:cNvPr>
+            <p:cNvSpPr/>
+            <p:nvPr/>
+          </p:nvSpPr>
+          <p:spPr>
+            <a:xfrm>
+              <a:off x="8344868" y="2418582"/>
+              <a:ext cx="2310882" cy="2316324"/>
+            </a:xfrm>
+            <a:prstGeom prst="ellipse">
+              <a:avLst/>
+            </a:prstGeom>
+            <a:solidFill>
+              <a:srgbClr val="FF0000">
+                <a:alpha val="38000"/>
+              </a:srgbClr>
+            </a:solidFill>
+            <a:ln>
+              <a:noFill/>
+            </a:ln>
+          </p:spPr>
+          <p:style>
+            <a:lnRef idx="2">
+              <a:schemeClr val="accent1">
+                <a:shade val="50000"/>
+              </a:schemeClr>
+            </a:lnRef>
+            <a:fillRef idx="1">
+              <a:schemeClr val="accent1"/>
+            </a:fillRef>
+            <a:effectRef idx="0">
+              <a:schemeClr val="accent1"/>
+            </a:effectRef>
+            <a:fontRef idx="minor">
+              <a:schemeClr val="lt1"/>
+            </a:fontRef>
+          </p:style>
+          <p:txBody>
+            <a:bodyPr rtlCol="0" anchor="ctr"/>
+            <a:lstStyle/>
+            <a:p>
+              <a:pPr algn="ctr"/>
+              <a:endParaRPr lang="en-IN" dirty="0">
+                <a:solidFill>
+                  <a:schemeClr val="bg2">
+                    <a:lumMod val="25000"/>
+                  </a:schemeClr>
+                </a:solidFill>
+                <a:latin typeface="+mj-lt"/>
+              </a:endParaRPr>
+            </a:p>
+            <a:p>
+              <a:pPr algn="ctr"/>
+              <a:endParaRPr lang="en-IN" dirty="0">
+                <a:solidFill>
+                  <a:schemeClr val="bg2">
+                    <a:lumMod val="25000"/>
+                  </a:schemeClr>
+                </a:solidFill>
+                <a:latin typeface="+mj-lt"/>
+              </a:endParaRPr>
+            </a:p>
+            <a:p>
+              <a:pPr algn="ctr"/>
+              <a:endParaRPr lang="en-IN" dirty="0">
+                <a:solidFill>
+                  <a:schemeClr val="bg2">
+                    <a:lumMod val="25000"/>
+                  </a:schemeClr>
+                </a:solidFill>
+                <a:latin typeface="+mj-lt"/>
+              </a:endParaRPr>
+            </a:p>
+            <a:p>
+              <a:pPr algn="ctr"/>
+              <a:r>
+                <a:rPr lang="en-IN" dirty="0">
+                  <a:solidFill>
+                    <a:schemeClr val="bg2">
+                      <a:lumMod val="25000"/>
+                    </a:schemeClr>
+                  </a:solidFill>
+                  <a:latin typeface="+mj-lt"/>
+                </a:rPr>
+                <a:t>        </a:t>
+              </a:r>
+            </a:p>
+            <a:p>
+              <a:pPr algn="ctr"/>
+              <a:r>
+                <a:rPr lang="en-IN" dirty="0">
+                  <a:solidFill>
+                    <a:schemeClr val="bg2">
+                      <a:lumMod val="25000"/>
+                    </a:schemeClr>
+                  </a:solidFill>
+                  <a:latin typeface="+mj-lt"/>
+                </a:rPr>
+                <a:t>            Horror</a:t>
+              </a:r>
+            </a:p>
+          </p:txBody>
+        </p:sp>
+        <p:sp>
+          <p:nvSpPr>
+            <p:cNvPr id="7" name="TextBox 6">
+              <a:extLst>
+                <a:ext uri="{FF2B5EF4-FFF2-40B4-BE49-F238E27FC236}">
+                  <a16:creationId xmlns:a16="http://schemas.microsoft.com/office/drawing/2014/main" id="{AC5ACE3B-7C95-4A20-4E57-DEDCC855C5BA}"/>
+                </a:ext>
+              </a:extLst>
+            </p:cNvPr>
+            <p:cNvSpPr txBox="1"/>
+            <p:nvPr/>
+          </p:nvSpPr>
+          <p:spPr>
+            <a:xfrm>
+              <a:off x="7660397" y="430578"/>
+              <a:ext cx="2556382" cy="1569660"/>
+            </a:xfrm>
+            <a:prstGeom prst="rect">
+              <a:avLst/>
+            </a:prstGeom>
+            <a:noFill/>
+          </p:spPr>
+          <p:txBody>
+            <a:bodyPr wrap="square" rtlCol="0">
+              <a:spAutoFit/>
+            </a:bodyPr>
+            <a:lstStyle/>
+            <a:p>
+              <a:r>
+                <a:rPr lang="en-IN" sz="3200" dirty="0">
+                  <a:solidFill>
+                    <a:schemeClr val="bg2">
+                      <a:lumMod val="25000"/>
+                      <a:alpha val="79000"/>
+                    </a:schemeClr>
+                  </a:solidFill>
+                  <a:latin typeface="+mj-lt"/>
+                  <a:ea typeface="Lato" panose="020F0502020204030203" pitchFamily="34" charset="0"/>
+                  <a:cs typeface="Lato" panose="020F0502020204030203" pitchFamily="34" charset="0"/>
+                </a:rPr>
+                <a:t>Speculative </a:t>
+              </a:r>
+            </a:p>
+            <a:p>
+              <a:endParaRPr lang="en-IN" sz="3200" dirty="0">
+                <a:solidFill>
+                  <a:schemeClr val="bg2">
+                    <a:lumMod val="25000"/>
+                    <a:alpha val="79000"/>
+                  </a:schemeClr>
+                </a:solidFill>
+                <a:latin typeface="+mj-lt"/>
+                <a:ea typeface="Lato" panose="020F0502020204030203" pitchFamily="34" charset="0"/>
+                <a:cs typeface="Lato" panose="020F0502020204030203" pitchFamily="34" charset="0"/>
+              </a:endParaRPr>
+            </a:p>
+            <a:p>
+              <a:r>
+                <a:rPr lang="en-IN" sz="3200" dirty="0">
+                  <a:solidFill>
+                    <a:schemeClr val="bg2">
+                      <a:lumMod val="25000"/>
+                      <a:alpha val="79000"/>
+                    </a:schemeClr>
+                  </a:solidFill>
+                  <a:latin typeface="+mj-lt"/>
+                  <a:ea typeface="Lato" panose="020F0502020204030203" pitchFamily="34" charset="0"/>
+                  <a:cs typeface="Lato" panose="020F0502020204030203" pitchFamily="34" charset="0"/>
+                </a:rPr>
+                <a:t>     fantasy</a:t>
+              </a:r>
+            </a:p>
+          </p:txBody>
+        </p:sp>
+        <p:sp>
+          <p:nvSpPr>
+            <p:cNvPr id="8" name="TextBox 7">
+              <a:extLst>
+                <a:ext uri="{FF2B5EF4-FFF2-40B4-BE49-F238E27FC236}">
+                  <a16:creationId xmlns:a16="http://schemas.microsoft.com/office/drawing/2014/main" id="{E9095564-50B1-24D5-E234-B370981FC34B}"/>
+                </a:ext>
+              </a:extLst>
+            </p:cNvPr>
+            <p:cNvSpPr txBox="1"/>
+            <p:nvPr/>
+          </p:nvSpPr>
+          <p:spPr>
+            <a:xfrm>
+              <a:off x="7302951" y="3161245"/>
+              <a:ext cx="1606405" cy="830997"/>
+            </a:xfrm>
+            <a:prstGeom prst="rect">
+              <a:avLst/>
+            </a:prstGeom>
+            <a:noFill/>
+          </p:spPr>
+          <p:txBody>
+            <a:bodyPr wrap="square" rtlCol="0">
+              <a:spAutoFit/>
+            </a:bodyPr>
+            <a:lstStyle/>
+            <a:p>
+              <a:r>
+                <a:rPr lang="en-IN" sz="2400" dirty="0">
+                  <a:solidFill>
+                    <a:schemeClr val="tx1">
+                      <a:alpha val="59000"/>
+                    </a:schemeClr>
+                  </a:solidFill>
+                  <a:latin typeface="+mj-lt"/>
+                </a:rPr>
+                <a:t>Science </a:t>
+              </a:r>
+            </a:p>
+            <a:p>
+              <a:r>
+                <a:rPr lang="en-IN" sz="2400" dirty="0">
+                  <a:solidFill>
+                    <a:schemeClr val="tx1">
+                      <a:alpha val="59000"/>
+                    </a:schemeClr>
+                  </a:solidFill>
+                  <a:latin typeface="+mj-lt"/>
+                </a:rPr>
+                <a:t>fiction</a:t>
+              </a:r>
+            </a:p>
+          </p:txBody>
+        </p:sp>
+      </p:grpSp>
+      <p:pic>
+        <p:nvPicPr>
+          <p:cNvPr id="12" name="Picture 11">
+            <a:extLst>
+              <a:ext uri="{FF2B5EF4-FFF2-40B4-BE49-F238E27FC236}">
+                <a16:creationId xmlns:a16="http://schemas.microsoft.com/office/drawing/2014/main" id="{6A2F99FE-A2C1-5EEE-7398-5FF2AC33DD96}"/>
+              </a:ext>
+            </a:extLst>
+          </p:cNvPr>
+          <p:cNvPicPr>
+            <a:picLocks noChangeAspect="1"/>
+          </p:cNvPicPr>
+          <p:nvPr/>
+        </p:nvPicPr>
+        <p:blipFill>
+          <a:blip r:embed="rId3">
+            <a:extLst>
+              <a:ext uri="{28A0092B-C50C-407E-A947-70E740481C1C}">
+                <a14:useLocalDpi xmlns:a14="http://schemas.microsoft.com/office/drawing/2010/main" val="0"/>
+              </a:ext>
+            </a:extLst>
+          </a:blip>
+          <a:stretch>
+            <a:fillRect/>
+          </a:stretch>
+        </p:blipFill>
+        <p:spPr>
+          <a:xfrm>
+            <a:off x="30466" y="0"/>
+            <a:ext cx="6812523" cy="6858000"/>
+          </a:xfrm>
+          <a:prstGeom prst="rect">
+            <a:avLst/>
+          </a:prstGeom>
+        </p:spPr>
+      </p:pic>
+      <p:sp>
+        <p:nvSpPr>
+          <p:cNvPr id="14" name="TextBox 13">
+            <a:extLst>
+              <a:ext uri="{FF2B5EF4-FFF2-40B4-BE49-F238E27FC236}">
+                <a16:creationId xmlns:a16="http://schemas.microsoft.com/office/drawing/2014/main" id="{B7C022E6-14ED-FCD1-90A1-77CE36176083}"/>
+              </a:ext>
+            </a:extLst>
+          </p:cNvPr>
+          <p:cNvSpPr txBox="1"/>
+          <p:nvPr/>
+        </p:nvSpPr>
+        <p:spPr>
+          <a:xfrm>
+            <a:off x="6969967" y="858416"/>
+            <a:ext cx="4002833" cy="369332"/>
+          </a:xfrm>
+          <a:prstGeom prst="rect">
+            <a:avLst/>
+          </a:prstGeom>
+          <a:noFill/>
+        </p:spPr>
+        <p:txBody>
+          <a:bodyPr wrap="square" rtlCol="0">
+            <a:spAutoFit/>
+          </a:bodyPr>
+          <a:lstStyle/>
+          <a:p>
+            <a:r>
+              <a:rPr lang="en-IN" dirty="0"/>
+              <a:t>Audience Circles</a:t>
+            </a:r>
+          </a:p>
+        </p:txBody>
+      </p:sp>
+    </p:spTree>
+    <p:extLst>
+      <p:ext uri="{BB962C8B-B14F-4D97-AF65-F5344CB8AC3E}">
+        <p14:creationId xmlns:p14="http://schemas.microsoft.com/office/powerpoint/2010/main" val="2076691770"/>
+      </p:ext>
+    </p:extLst>
+  </p:cSld>
+  <p:clrMapOvr>
+    <a:masterClrMapping/>
+  </p:clrMapOvr>
+</p:sld>
+</file>
+
+<file path=ppt/slides/slide2.xml><?xml version="1.0" encoding="utf-8"?>
+<p:sld xmlns:a="http://schemas.openxmlformats.org/drawingml/2006/main" xmlns:r="http://schemas.openxmlformats.org/officeDocument/2006/relationships" xmlns:p="http://schemas.openxmlformats.org/presentationml/2006/main">
+  <p:cSld>
+    <p:spTree>
+      <p:nvGrpSpPr>
+        <p:cNvPr id="1" name=""/>
+        <p:cNvGrpSpPr/>
+        <p:nvPr/>
+      </p:nvGrpSpPr>
+      <p:grpSpPr>
+        <a:xfrm>
+          <a:off x="0" y="0"/>
+          <a:ext cx="0" cy="0"/>
+          <a:chOff x="0" y="0"/>
+          <a:chExt cx="0" cy="0"/>
+        </a:xfrm>
+      </p:grpSpPr>
+      <p:pic>
+        <p:nvPicPr>
+          <p:cNvPr id="2" name="Picture 1">
+            <a:extLst>
+              <a:ext uri="{FF2B5EF4-FFF2-40B4-BE49-F238E27FC236}">
+                <a16:creationId xmlns:a16="http://schemas.microsoft.com/office/drawing/2014/main" id="{D8C7BC69-79CF-3D8A-FF64-EF4D0829B998}"/>
+              </a:ext>
+              <a:ext uri="{C183D7F6-B498-43B3-948B-1728B52AA6E4}">
+                <adec:decorative xmlns:adec="http://schemas.microsoft.com/office/drawing/2017/decorative" val="1"/>
+              </a:ext>
+            </a:extLst>
+          </p:cNvPr>
+          <p:cNvPicPr>
+            <a:picLocks noChangeAspect="1"/>
+          </p:cNvPicPr>
+          <p:nvPr/>
+        </p:nvPicPr>
+        <p:blipFill rotWithShape="1">
+          <a:blip r:embed="rId2">
+            <a:alphaModFix amt="85000"/>
+            <a:extLst>
+              <a:ext uri="{BEBA8EAE-BF5A-486C-A8C5-ECC9F3942E4B}">
+                <a14:imgProps xmlns:a14="http://schemas.microsoft.com/office/drawing/2010/main">
+                  <a14:imgLayer r:embed="rId3">
+                    <a14:imgEffect>
+                      <a14:artisticPlasticWrap/>
+                    </a14:imgEffect>
+                  </a14:imgLayer>
+                </a14:imgProps>
+              </a:ext>
+            </a:extLst>
+          </a:blip>
+          <a:srcRect l="20442" t="139" r="23308" b="23719"/>
+          <a:stretch/>
+        </p:blipFill>
+        <p:spPr>
+          <a:xfrm rot="5400000">
+            <a:off x="-814040" y="713680"/>
+            <a:ext cx="6858002" cy="5430644"/>
+          </a:xfrm>
+          <a:prstGeom prst="rect">
+            <a:avLst/>
+          </a:prstGeom>
+        </p:spPr>
+      </p:pic>
+      <p:sp>
+        <p:nvSpPr>
+          <p:cNvPr id="4" name="TextBox 3">
+            <a:extLst>
+              <a:ext uri="{FF2B5EF4-FFF2-40B4-BE49-F238E27FC236}">
+                <a16:creationId xmlns:a16="http://schemas.microsoft.com/office/drawing/2014/main" id="{EAA40D7B-54E1-289B-5A84-8285E397D804}"/>
+              </a:ext>
+            </a:extLst>
+          </p:cNvPr>
+          <p:cNvSpPr txBox="1"/>
+          <p:nvPr/>
+        </p:nvSpPr>
+        <p:spPr>
+          <a:xfrm>
+            <a:off x="6096000" y="1279503"/>
+            <a:ext cx="5756988" cy="1200329"/>
+          </a:xfrm>
+          <a:prstGeom prst="rect">
+            <a:avLst/>
+          </a:prstGeom>
+          <a:noFill/>
+        </p:spPr>
+        <p:txBody>
+          <a:bodyPr wrap="square" rtlCol="0">
+            <a:spAutoFit/>
+          </a:bodyPr>
+          <a:lstStyle/>
+          <a:p>
+            <a:r>
+              <a:rPr lang="en-US" sz="3600" dirty="0">
+                <a:latin typeface="Tahoma" panose="020B0604030504040204" pitchFamily="34" charset="0"/>
+                <a:ea typeface="Tahoma" panose="020B0604030504040204" pitchFamily="34" charset="0"/>
+                <a:cs typeface="Tahoma" panose="020B0604030504040204" pitchFamily="34" charset="0"/>
+              </a:rPr>
+              <a:t>“Time doesn’t change</a:t>
+            </a:r>
+          </a:p>
+          <a:p>
+            <a:r>
+              <a:rPr lang="en-US" sz="3600" dirty="0">
+                <a:latin typeface="Tahoma" panose="020B0604030504040204" pitchFamily="34" charset="0"/>
+                <a:ea typeface="Tahoma" panose="020B0604030504040204" pitchFamily="34" charset="0"/>
+                <a:cs typeface="Tahoma" panose="020B0604030504040204" pitchFamily="34" charset="0"/>
+              </a:rPr>
+              <a:t> Time reveals.”</a:t>
+            </a:r>
+            <a:endParaRPr lang="en-IN" sz="3600" dirty="0">
+              <a:latin typeface="Tahoma" panose="020B0604030504040204" pitchFamily="34" charset="0"/>
+              <a:ea typeface="Tahoma" panose="020B0604030504040204" pitchFamily="34" charset="0"/>
+              <a:cs typeface="Tahoma" panose="020B0604030504040204" pitchFamily="34" charset="0"/>
+            </a:endParaRPr>
+          </a:p>
+        </p:txBody>
+      </p:sp>
+      <p:sp>
+        <p:nvSpPr>
+          <p:cNvPr id="5" name="TextBox 4">
+            <a:extLst>
+              <a:ext uri="{FF2B5EF4-FFF2-40B4-BE49-F238E27FC236}">
+                <a16:creationId xmlns:a16="http://schemas.microsoft.com/office/drawing/2014/main" id="{C3D45805-D5F2-9FF9-1E62-85C27B32DCE6}"/>
+              </a:ext>
+            </a:extLst>
+          </p:cNvPr>
+          <p:cNvSpPr txBox="1"/>
+          <p:nvPr/>
+        </p:nvSpPr>
+        <p:spPr>
+          <a:xfrm>
+            <a:off x="2614960" y="2702594"/>
+            <a:ext cx="9238027" cy="2308324"/>
+          </a:xfrm>
+          <a:prstGeom prst="rect">
+            <a:avLst/>
+          </a:prstGeom>
+          <a:noFill/>
+        </p:spPr>
+        <p:txBody>
+          <a:bodyPr wrap="square" rtlCol="0">
+            <a:spAutoFit/>
+          </a:bodyPr>
+          <a:lstStyle/>
+          <a:p>
+            <a:r>
+              <a:rPr lang="en-US" dirty="0"/>
+              <a:t>Contents</a:t>
+            </a:r>
+          </a:p>
+          <a:p>
+            <a:r>
+              <a:rPr lang="en-US" dirty="0"/>
+              <a:t>0.   Introduction and idea                                                  ( Ideology )</a:t>
+            </a:r>
+          </a:p>
+          <a:p>
+            <a:pPr marL="342900" indent="-342900">
+              <a:buAutoNum type="arabicPeriod"/>
+            </a:pPr>
+            <a:r>
+              <a:rPr lang="en-US" dirty="0"/>
+              <a:t>Past Critique system</a:t>
+            </a:r>
+          </a:p>
+          <a:p>
+            <a:pPr marL="342900" indent="-342900">
+              <a:buAutoNum type="arabicPeriod"/>
+            </a:pPr>
+            <a:r>
+              <a:rPr lang="en-US" dirty="0"/>
+              <a:t>Modern Critique system                                              (1-2 Problem statement with case study)</a:t>
+            </a:r>
+          </a:p>
+          <a:p>
+            <a:pPr marL="342900" indent="-342900">
+              <a:buAutoNum type="arabicPeriod"/>
+            </a:pPr>
+            <a:r>
+              <a:rPr lang="en-IN" dirty="0"/>
+              <a:t>Problems                                                                        ( Problems listed )</a:t>
+            </a:r>
+          </a:p>
+          <a:p>
+            <a:pPr marL="342900" indent="-342900">
+              <a:buAutoNum type="arabicPeriod"/>
+            </a:pPr>
+            <a:r>
+              <a:rPr lang="en-IN" dirty="0"/>
+              <a:t>Possible solutions                                                         (Listed solutions with effects)</a:t>
+            </a:r>
+          </a:p>
+          <a:p>
+            <a:pPr marL="342900" indent="-342900">
+              <a:buAutoNum type="arabicPeriod"/>
+            </a:pPr>
+            <a:r>
+              <a:rPr lang="en-IN" dirty="0"/>
+              <a:t>Idea Implementation </a:t>
+            </a:r>
+          </a:p>
+          <a:p>
+            <a:pPr marL="342900" indent="-342900">
+              <a:buAutoNum type="arabicPeriod"/>
+            </a:pPr>
+            <a:r>
+              <a:rPr lang="en-IN" dirty="0">
+                <a:solidFill>
+                  <a:schemeClr val="bg2">
+                    <a:lumMod val="90000"/>
+                  </a:schemeClr>
+                </a:solidFill>
+              </a:rPr>
+              <a:t>No absolute system                                                      (ideas and thoughts on Future)</a:t>
+            </a:r>
+          </a:p>
+        </p:txBody>
+      </p:sp>
+    </p:spTree>
+    <p:extLst>
+      <p:ext uri="{BB962C8B-B14F-4D97-AF65-F5344CB8AC3E}">
+        <p14:creationId xmlns:p14="http://schemas.microsoft.com/office/powerpoint/2010/main" val="2227995187"/>
+      </p:ext>
+    </p:extLst>
+  </p:cSld>
+  <p:clrMapOvr>
+    <a:masterClrMapping/>
+  </p:clrMapOvr>
+</p:sld>
+</file>
+
+<file path=ppt/slides/slide3.xml><?xml version="1.0" encoding="utf-8"?>
+<p:sld xmlns:a="http://schemas.openxmlformats.org/drawingml/2006/main" xmlns:r="http://schemas.openxmlformats.org/officeDocument/2006/relationships" xmlns:p="http://schemas.openxmlformats.org/presentationml/2006/main">
+  <p:cSld>
+    <p:spTree>
+      <p:nvGrpSpPr>
+        <p:cNvPr id="1" name=""/>
+        <p:cNvGrpSpPr/>
+        <p:nvPr/>
+      </p:nvGrpSpPr>
+      <p:grpSpPr>
+        <a:xfrm>
+          <a:off x="0" y="0"/>
+          <a:ext cx="0" cy="0"/>
+          <a:chOff x="0" y="0"/>
+          <a:chExt cx="0" cy="0"/>
+        </a:xfrm>
+      </p:grpSpPr>
+      <p:sp>
+        <p:nvSpPr>
+          <p:cNvPr id="5" name="TextBox 4" hidden="1">
+            <a:extLst>
+              <a:ext uri="{FF2B5EF4-FFF2-40B4-BE49-F238E27FC236}">
+                <a16:creationId xmlns:a16="http://schemas.microsoft.com/office/drawing/2014/main" id="{836DAC26-83EB-11E4-A4B6-B65877A54209}"/>
+              </a:ext>
+            </a:extLst>
+          </p:cNvPr>
+          <p:cNvSpPr txBox="1"/>
+          <p:nvPr/>
+        </p:nvSpPr>
+        <p:spPr>
+          <a:xfrm>
+            <a:off x="1064870" y="4676172"/>
+            <a:ext cx="10486663" cy="369332"/>
+          </a:xfrm>
+          <a:prstGeom prst="rect">
+            <a:avLst/>
+          </a:prstGeom>
+          <a:noFill/>
+        </p:spPr>
+        <p:txBody>
+          <a:bodyPr wrap="square" rtlCol="0">
+            <a:spAutoFit/>
+          </a:bodyPr>
+          <a:lstStyle/>
+          <a:p>
+            <a:r>
+              <a:rPr lang="en-US" dirty="0"/>
+              <a:t>                       We try to introspect the present/modern title with past knowledge. </a:t>
+            </a:r>
+            <a:endParaRPr lang="en-IN" dirty="0"/>
+          </a:p>
+        </p:txBody>
+      </p:sp>
+      <p:pic>
+        <p:nvPicPr>
+          <p:cNvPr id="2" name="Picture 1">
+            <a:extLst>
+              <a:ext uri="{FF2B5EF4-FFF2-40B4-BE49-F238E27FC236}">
+                <a16:creationId xmlns:a16="http://schemas.microsoft.com/office/drawing/2014/main" id="{363244C3-7309-ED35-7170-C83F2B147371}"/>
+              </a:ext>
+              <a:ext uri="{C183D7F6-B498-43B3-948B-1728B52AA6E4}">
+                <adec:decorative xmlns:adec="http://schemas.microsoft.com/office/drawing/2017/decorative" val="1"/>
+              </a:ext>
+            </a:extLst>
+          </p:cNvPr>
+          <p:cNvPicPr>
+            <a:picLocks noChangeAspect="1"/>
+          </p:cNvPicPr>
+          <p:nvPr/>
+        </p:nvPicPr>
+        <p:blipFill rotWithShape="1">
+          <a:blip r:embed="rId2">
+            <a:alphaModFix amt="35000"/>
+            <a:extLst>
+              <a:ext uri="{28A0092B-C50C-407E-A947-70E740481C1C}">
+                <a14:useLocalDpi xmlns:a14="http://schemas.microsoft.com/office/drawing/2010/main" val="0"/>
+              </a:ext>
+            </a:extLst>
+          </a:blip>
+          <a:srcRect/>
+          <a:stretch/>
+        </p:blipFill>
+        <p:spPr>
+          <a:xfrm>
+            <a:off x="-1" y="10"/>
+            <a:ext cx="12192001" cy="6857990"/>
+          </a:xfrm>
+          <a:prstGeom prst="rect">
+            <a:avLst/>
+          </a:prstGeom>
+        </p:spPr>
+      </p:pic>
+      <p:sp>
+        <p:nvSpPr>
+          <p:cNvPr id="3" name="TextBox 2">
+            <a:extLst>
+              <a:ext uri="{FF2B5EF4-FFF2-40B4-BE49-F238E27FC236}">
+                <a16:creationId xmlns:a16="http://schemas.microsoft.com/office/drawing/2014/main" id="{F2DFBC71-1D45-A710-E7BF-195D863307DA}"/>
+              </a:ext>
+            </a:extLst>
+          </p:cNvPr>
+          <p:cNvSpPr txBox="1"/>
+          <p:nvPr/>
+        </p:nvSpPr>
+        <p:spPr>
+          <a:xfrm>
+            <a:off x="963270" y="715958"/>
+            <a:ext cx="3264061" cy="461665"/>
+          </a:xfrm>
+          <a:prstGeom prst="rect">
+            <a:avLst/>
+          </a:prstGeom>
+          <a:noFill/>
+        </p:spPr>
+        <p:txBody>
+          <a:bodyPr wrap="square" rtlCol="0">
+            <a:spAutoFit/>
+          </a:bodyPr>
+          <a:lstStyle/>
+          <a:p>
+            <a:r>
+              <a:rPr lang="en-US" sz="2400" b="1" dirty="0"/>
+              <a:t>Introduction</a:t>
+            </a:r>
+            <a:endParaRPr lang="en-IN" sz="2400" b="1" dirty="0"/>
+          </a:p>
+        </p:txBody>
+      </p:sp>
+      <p:sp>
+        <p:nvSpPr>
+          <p:cNvPr id="4" name="TextBox 3">
+            <a:extLst>
+              <a:ext uri="{FF2B5EF4-FFF2-40B4-BE49-F238E27FC236}">
+                <a16:creationId xmlns:a16="http://schemas.microsoft.com/office/drawing/2014/main" id="{0FCB829C-D2F7-EDC4-E502-37749968EEE9}"/>
+              </a:ext>
+            </a:extLst>
+          </p:cNvPr>
+          <p:cNvSpPr txBox="1"/>
+          <p:nvPr/>
+        </p:nvSpPr>
+        <p:spPr>
+          <a:xfrm>
+            <a:off x="993750" y="1248743"/>
+            <a:ext cx="10486663" cy="2954655"/>
+          </a:xfrm>
+          <a:prstGeom prst="rect">
+            <a:avLst/>
+          </a:prstGeom>
+          <a:noFill/>
+        </p:spPr>
+        <p:txBody>
+          <a:bodyPr wrap="square" rtlCol="0">
+            <a:spAutoFit/>
+          </a:bodyPr>
+          <a:lstStyle/>
+          <a:p>
+            <a:r>
+              <a:rPr lang="en-US" sz="2400" dirty="0"/>
+              <a:t>Introspective and retrospective</a:t>
+            </a:r>
+          </a:p>
+          <a:p>
+            <a:endParaRPr lang="en-US" dirty="0"/>
+          </a:p>
+          <a:p>
+            <a:r>
+              <a:rPr lang="en-US" dirty="0"/>
+              <a:t>What’s the meaning of these two word.  </a:t>
+            </a:r>
+          </a:p>
+          <a:p>
+            <a:r>
+              <a:rPr lang="en-US" b="1" dirty="0"/>
+              <a:t>Retrospective</a:t>
+            </a:r>
+            <a:r>
+              <a:rPr lang="en-US" dirty="0"/>
+              <a:t> is the </a:t>
+            </a:r>
+            <a:r>
+              <a:rPr lang="en-US" i="1" dirty="0"/>
+              <a:t>critique or examining of past acts, works with present wisdom or knowledge.</a:t>
+            </a:r>
+          </a:p>
+          <a:p>
+            <a:r>
+              <a:rPr lang="en-US" b="1" dirty="0"/>
+              <a:t>Introspective</a:t>
+            </a:r>
+            <a:r>
+              <a:rPr lang="en-US" dirty="0"/>
+              <a:t> is </a:t>
+            </a:r>
+            <a:r>
+              <a:rPr lang="en-US" i="1" dirty="0"/>
+              <a:t>the critique or examining of present acts, work with past wisdom or knowledge.</a:t>
+            </a:r>
+          </a:p>
+          <a:p>
+            <a:endParaRPr lang="en-US" dirty="0"/>
+          </a:p>
+          <a:p>
+            <a:r>
+              <a:rPr lang="en-US" dirty="0"/>
+              <a:t>                         Ever heard anyone saw “</a:t>
+            </a:r>
+            <a:r>
+              <a:rPr lang="en-US" b="1" dirty="0"/>
+              <a:t>Modern</a:t>
+            </a:r>
+            <a:r>
+              <a:rPr lang="en-US" dirty="0"/>
+              <a:t> </a:t>
+            </a:r>
+            <a:r>
+              <a:rPr lang="en-US" u="sng" dirty="0"/>
+              <a:t>film/tv/games</a:t>
+            </a:r>
+            <a:r>
+              <a:rPr lang="en-US" dirty="0"/>
+              <a:t> is bad these days or as not good as past ”. If u look at review, they look similar/better than past. Then what the problem here? Why is there a conflict between past and present work even if present work is in every way better than past. Plot thickens. </a:t>
+            </a:r>
+            <a:r>
+              <a:rPr lang="en-US" i="1" dirty="0"/>
+              <a:t>Problem is that review system employed to critique is </a:t>
+            </a:r>
+            <a:r>
+              <a:rPr lang="en-US" b="1" i="1" dirty="0"/>
+              <a:t>outdated, inconsistence,</a:t>
+            </a:r>
+            <a:r>
+              <a:rPr lang="en-US" i="1" dirty="0"/>
+              <a:t> </a:t>
+            </a:r>
+            <a:r>
+              <a:rPr lang="en-US" b="1" i="1" dirty="0"/>
+              <a:t>inflated</a:t>
+            </a:r>
+            <a:r>
+              <a:rPr lang="en-US" i="1" dirty="0"/>
+              <a:t> and importantly </a:t>
+            </a:r>
+            <a:r>
+              <a:rPr lang="en-US" b="1" i="1" dirty="0"/>
+              <a:t>being too simple.</a:t>
+            </a:r>
+            <a:endParaRPr lang="en-IN" i="1" dirty="0"/>
+          </a:p>
+        </p:txBody>
+      </p:sp>
+    </p:spTree>
+    <p:extLst>
+      <p:ext uri="{BB962C8B-B14F-4D97-AF65-F5344CB8AC3E}">
+        <p14:creationId xmlns:p14="http://schemas.microsoft.com/office/powerpoint/2010/main" val="29755779"/>
+      </p:ext>
+    </p:extLst>
+  </p:cSld>
+  <p:clrMapOvr>
+    <a:masterClrMapping/>
+  </p:clrMapOvr>
+</p:sld>
+</file>
+
+<file path=ppt/slides/slide4.xml><?xml version="1.0" encoding="utf-8"?>
+<p:sld xmlns:a="http://schemas.openxmlformats.org/drawingml/2006/main" xmlns:r="http://schemas.openxmlformats.org/officeDocument/2006/relationships" xmlns:p="http://schemas.openxmlformats.org/presentationml/2006/main">
+  <p:cSld>
+    <p:spTree>
+      <p:nvGrpSpPr>
+        <p:cNvPr id="1" name=""/>
+        <p:cNvGrpSpPr/>
+        <p:nvPr/>
+      </p:nvGrpSpPr>
+      <p:grpSpPr>
+        <a:xfrm>
+          <a:off x="0" y="0"/>
+          <a:ext cx="0" cy="0"/>
+          <a:chOff x="0" y="0"/>
+          <a:chExt cx="0" cy="0"/>
+        </a:xfrm>
+      </p:grpSpPr>
+      <p:sp>
+        <p:nvSpPr>
+          <p:cNvPr id="2" name="TextBox 1">
+            <a:extLst>
+              <a:ext uri="{FF2B5EF4-FFF2-40B4-BE49-F238E27FC236}">
+                <a16:creationId xmlns:a16="http://schemas.microsoft.com/office/drawing/2014/main" id="{520DAA8F-E69E-7128-C67E-AD7E0468D2DA}"/>
+              </a:ext>
+            </a:extLst>
+          </p:cNvPr>
+          <p:cNvSpPr txBox="1"/>
+          <p:nvPr/>
+        </p:nvSpPr>
+        <p:spPr>
+          <a:xfrm>
+            <a:off x="1001853" y="672101"/>
+            <a:ext cx="5544274" cy="461665"/>
+          </a:xfrm>
+          <a:prstGeom prst="rect">
+            <a:avLst/>
+          </a:prstGeom>
+          <a:noFill/>
+        </p:spPr>
+        <p:txBody>
+          <a:bodyPr wrap="square" rtlCol="0">
+            <a:spAutoFit/>
+          </a:bodyPr>
+          <a:lstStyle/>
+          <a:p>
+            <a:r>
+              <a:rPr lang="en-US" sz="2400" dirty="0"/>
+              <a:t>Past critique system</a:t>
+            </a:r>
+            <a:endParaRPr lang="en-IN" sz="2400" dirty="0"/>
+          </a:p>
+        </p:txBody>
+      </p:sp>
+      <p:sp>
+        <p:nvSpPr>
+          <p:cNvPr id="3" name="TextBox 2">
+            <a:extLst>
+              <a:ext uri="{FF2B5EF4-FFF2-40B4-BE49-F238E27FC236}">
+                <a16:creationId xmlns:a16="http://schemas.microsoft.com/office/drawing/2014/main" id="{C5F8816C-C966-610A-18E4-100466850EB9}"/>
+              </a:ext>
+            </a:extLst>
+          </p:cNvPr>
+          <p:cNvSpPr txBox="1"/>
+          <p:nvPr/>
+        </p:nvSpPr>
+        <p:spPr>
+          <a:xfrm>
+            <a:off x="992983" y="1435382"/>
+            <a:ext cx="10463514" cy="2031325"/>
+          </a:xfrm>
+          <a:prstGeom prst="rect">
+            <a:avLst/>
+          </a:prstGeom>
+          <a:noFill/>
+        </p:spPr>
+        <p:txBody>
+          <a:bodyPr wrap="square" rtlCol="0">
+            <a:spAutoFit/>
+          </a:bodyPr>
+          <a:lstStyle/>
+          <a:p>
+            <a:r>
+              <a:rPr lang="en-US" dirty="0"/>
+              <a:t>               Review systems were first employed to judge the quality of a product with numbers. At first they were successful at there task. </a:t>
+            </a:r>
+            <a:r>
+              <a:rPr lang="en-US" i="1" dirty="0"/>
+              <a:t>Making choice and judgement easy for consumer</a:t>
+            </a:r>
+            <a:r>
+              <a:rPr lang="en-US" dirty="0"/>
+              <a:t>.  But then they were used to review artistic products. But,</a:t>
+            </a:r>
+          </a:p>
+          <a:p>
+            <a:r>
+              <a:rPr lang="en-US" dirty="0"/>
+              <a:t>                                                                                 </a:t>
+            </a:r>
+            <a:r>
+              <a:rPr lang="en-US" b="1" dirty="0"/>
+              <a:t>“Art is subjective.”</a:t>
+            </a:r>
+          </a:p>
+          <a:p>
+            <a:endParaRPr lang="en-US" dirty="0"/>
+          </a:p>
+          <a:p>
+            <a:r>
+              <a:rPr lang="en-US" dirty="0"/>
+              <a:t>Art is so subjective that sometimes it’s better to not give a definitive score but rather an alphabet or a region.</a:t>
+            </a:r>
+          </a:p>
+          <a:p>
+            <a:r>
+              <a:rPr lang="en-US" dirty="0"/>
+              <a:t>But it does the job as past works were simple and mainly not as dominant and competitive as today. </a:t>
+            </a:r>
+          </a:p>
+        </p:txBody>
+      </p:sp>
+      <p:pic>
+        <p:nvPicPr>
+          <p:cNvPr id="1026" name="Picture 2" descr="Bell Curve in Performance Appraisal | Zimyo">
+            <a:extLst>
+              <a:ext uri="{FF2B5EF4-FFF2-40B4-BE49-F238E27FC236}">
+                <a16:creationId xmlns:a16="http://schemas.microsoft.com/office/drawing/2014/main" id="{33CFC079-D499-C81B-EC6A-FAF3CF2C5BBA}"/>
+              </a:ext>
+            </a:extLst>
+          </p:cNvPr>
+          <p:cNvPicPr>
+            <a:picLocks noChangeAspect="1" noChangeArrowheads="1"/>
+          </p:cNvPicPr>
+          <p:nvPr/>
+        </p:nvPicPr>
+        <p:blipFill rotWithShape="1">
+          <a:blip r:embed="rId2">
+            <a:extLst>
+              <a:ext uri="{28A0092B-C50C-407E-A947-70E740481C1C}">
+                <a14:useLocalDpi xmlns:a14="http://schemas.microsoft.com/office/drawing/2010/main" val="0"/>
+              </a:ext>
+            </a:extLst>
+          </a:blip>
+          <a:srcRect l="4919" t="11675" r="168" b="2529"/>
+          <a:stretch/>
+        </p:blipFill>
+        <p:spPr bwMode="auto">
+          <a:xfrm>
+            <a:off x="925804" y="3449320"/>
+            <a:ext cx="5281127" cy="3244719"/>
+          </a:xfrm>
+          <a:prstGeom prst="rect">
+            <a:avLst/>
+          </a:prstGeom>
+          <a:noFill/>
+          <a:extLst>
+            <a:ext uri="{909E8E84-426E-40DD-AFC4-6F175D3DCCD1}">
+              <a14:hiddenFill xmlns:a14="http://schemas.microsoft.com/office/drawing/2010/main">
+                <a:solidFill>
+                  <a:srgbClr val="FFFFFF"/>
+                </a:solidFill>
+              </a14:hiddenFill>
+            </a:ext>
+          </a:extLst>
+        </p:spPr>
+      </p:pic>
+      <p:sp>
+        <p:nvSpPr>
+          <p:cNvPr id="4" name="TextBox 3">
+            <a:extLst>
+              <a:ext uri="{FF2B5EF4-FFF2-40B4-BE49-F238E27FC236}">
+                <a16:creationId xmlns:a16="http://schemas.microsoft.com/office/drawing/2014/main" id="{45588C30-AF3F-3362-4B9F-6FBCC72861B4}"/>
+              </a:ext>
+            </a:extLst>
+          </p:cNvPr>
+          <p:cNvSpPr txBox="1"/>
+          <p:nvPr/>
+        </p:nvSpPr>
+        <p:spPr>
+          <a:xfrm>
+            <a:off x="6781903" y="4531604"/>
+            <a:ext cx="4478694" cy="1077218"/>
+          </a:xfrm>
+          <a:prstGeom prst="rect">
+            <a:avLst/>
+          </a:prstGeom>
+          <a:noFill/>
+        </p:spPr>
+        <p:txBody>
+          <a:bodyPr wrap="square" rtlCol="0">
+            <a:spAutoFit/>
+          </a:bodyPr>
+          <a:lstStyle/>
+          <a:p>
+            <a:r>
+              <a:rPr lang="en-IN" sz="1600" i="1" dirty="0"/>
+              <a:t>This review distribution is perfect for Products as its elegance lies with its </a:t>
+            </a:r>
+            <a:r>
+              <a:rPr lang="en-IN" sz="1600" b="1" i="1" dirty="0"/>
+              <a:t>context interpretation</a:t>
+            </a:r>
+            <a:r>
+              <a:rPr lang="en-IN" sz="1600" i="1" dirty="0"/>
+              <a:t>. A three star is not too bad and not too good, it meets average criteria/ expectations.</a:t>
+            </a:r>
+          </a:p>
+        </p:txBody>
+      </p:sp>
+    </p:spTree>
+    <p:extLst>
+      <p:ext uri="{BB962C8B-B14F-4D97-AF65-F5344CB8AC3E}">
+        <p14:creationId xmlns:p14="http://schemas.microsoft.com/office/powerpoint/2010/main" val="1739614673"/>
+      </p:ext>
+    </p:extLst>
+  </p:cSld>
+  <p:clrMapOvr>
+    <a:masterClrMapping/>
+  </p:clrMapOvr>
+</p:sld>
+</file>
+
+<file path=ppt/slides/slide5.xml><?xml version="1.0" encoding="utf-8"?>
+<p:sld xmlns:a="http://schemas.openxmlformats.org/drawingml/2006/main" xmlns:r="http://schemas.openxmlformats.org/officeDocument/2006/relationships" xmlns:p="http://schemas.openxmlformats.org/presentationml/2006/main">
+  <p:cSld>
+    <p:spTree>
+      <p:nvGrpSpPr>
+        <p:cNvPr id="1" name=""/>
+        <p:cNvGrpSpPr/>
+        <p:nvPr/>
+      </p:nvGrpSpPr>
+      <p:grpSpPr>
+        <a:xfrm>
+          <a:off x="0" y="0"/>
+          <a:ext cx="0" cy="0"/>
+          <a:chOff x="0" y="0"/>
+          <a:chExt cx="0" cy="0"/>
+        </a:xfrm>
+      </p:grpSpPr>
+      <p:sp>
+        <p:nvSpPr>
+          <p:cNvPr id="2" name="TextBox 1">
+            <a:extLst>
+              <a:ext uri="{FF2B5EF4-FFF2-40B4-BE49-F238E27FC236}">
+                <a16:creationId xmlns:a16="http://schemas.microsoft.com/office/drawing/2014/main" id="{DDB14A61-028D-74D7-291D-0EEE553693E5}"/>
+              </a:ext>
+            </a:extLst>
+          </p:cNvPr>
+          <p:cNvSpPr txBox="1"/>
+          <p:nvPr/>
+        </p:nvSpPr>
+        <p:spPr>
+          <a:xfrm>
+            <a:off x="1001853" y="636093"/>
+            <a:ext cx="5544274" cy="461665"/>
+          </a:xfrm>
+          <a:prstGeom prst="rect">
+            <a:avLst/>
+          </a:prstGeom>
+          <a:noFill/>
+        </p:spPr>
+        <p:txBody>
+          <a:bodyPr wrap="square" rtlCol="0">
+            <a:spAutoFit/>
+          </a:bodyPr>
+          <a:lstStyle/>
+          <a:p>
+            <a:r>
+              <a:rPr lang="en-US" sz="2400" dirty="0"/>
+              <a:t>Modern critique system</a:t>
+            </a:r>
+            <a:endParaRPr lang="en-IN" sz="2400" dirty="0"/>
+          </a:p>
+        </p:txBody>
+      </p:sp>
+      <p:sp>
+        <p:nvSpPr>
+          <p:cNvPr id="4" name="TextBox 3" hidden="1">
+            <a:extLst>
+              <a:ext uri="{FF2B5EF4-FFF2-40B4-BE49-F238E27FC236}">
+                <a16:creationId xmlns:a16="http://schemas.microsoft.com/office/drawing/2014/main" id="{8308433C-C9B7-F281-E16B-20A73082B459}"/>
+              </a:ext>
+            </a:extLst>
+          </p:cNvPr>
+          <p:cNvSpPr txBox="1"/>
+          <p:nvPr/>
+        </p:nvSpPr>
+        <p:spPr>
+          <a:xfrm>
+            <a:off x="727788" y="1642188"/>
+            <a:ext cx="10823510" cy="2062103"/>
+          </a:xfrm>
+          <a:prstGeom prst="rect">
+            <a:avLst/>
+          </a:prstGeom>
+          <a:noFill/>
+        </p:spPr>
+        <p:txBody>
+          <a:bodyPr wrap="square" rtlCol="0">
+            <a:spAutoFit/>
+          </a:bodyPr>
+          <a:lstStyle/>
+          <a:p>
+            <a:pPr marL="0" marR="0">
+              <a:spcBef>
+                <a:spcPts val="0"/>
+              </a:spcBef>
+              <a:spcAft>
+                <a:spcPts val="0"/>
+              </a:spcAft>
+            </a:pPr>
+            <a:r>
+              <a:rPr lang="en-US" sz="1600" dirty="0">
+                <a:effectLst/>
+                <a:latin typeface="Calibri" panose="020F0502020204030204" pitchFamily="34" charset="0"/>
+              </a:rPr>
+              <a:t>Metacritic is a well know website known for its review of entertainment media. It rates films, video games, book(?) and many more I have no interest in. It's scores 'the product' with a rating </a:t>
+            </a:r>
+            <a:r>
+              <a:rPr lang="en-US" sz="1600" dirty="0" err="1">
+                <a:effectLst/>
+                <a:latin typeface="Calibri" panose="020F0502020204030204" pitchFamily="34" charset="0"/>
+              </a:rPr>
+              <a:t>i</a:t>
+            </a:r>
+            <a:r>
+              <a:rPr lang="en-US" sz="1600" dirty="0">
+                <a:effectLst/>
+                <a:latin typeface="Calibri" panose="020F0502020204030204" pitchFamily="34" charset="0"/>
+              </a:rPr>
+              <a:t> against 100. Then based on </a:t>
+            </a:r>
+            <a:r>
+              <a:rPr lang="en-US" sz="1600" dirty="0" err="1">
+                <a:effectLst/>
+                <a:latin typeface="Calibri" panose="020F0502020204030204" pitchFamily="34" charset="0"/>
+              </a:rPr>
+              <a:t>i</a:t>
+            </a:r>
+            <a:r>
+              <a:rPr lang="en-US" sz="1600" dirty="0">
+                <a:effectLst/>
+                <a:latin typeface="Calibri" panose="020F0502020204030204" pitchFamily="34" charset="0"/>
+              </a:rPr>
+              <a:t> , and which predetermined region (for games and films it's different) it falls into as </a:t>
+            </a:r>
+          </a:p>
+          <a:p>
+            <a:pPr marL="0" marR="0">
+              <a:spcBef>
+                <a:spcPts val="0"/>
+              </a:spcBef>
+              <a:spcAft>
+                <a:spcPts val="0"/>
+              </a:spcAft>
+            </a:pPr>
+            <a:r>
+              <a:rPr lang="en-US" sz="1600" dirty="0">
+                <a:effectLst/>
+                <a:latin typeface="Calibri" panose="020F0502020204030204" pitchFamily="34" charset="0"/>
+              </a:rPr>
+              <a:t>                              "Universally Acclaimed : 100 - 90 games, 100-81 other"</a:t>
+            </a:r>
+          </a:p>
+          <a:p>
+            <a:pPr marL="1371600" marR="0">
+              <a:spcBef>
+                <a:spcPts val="0"/>
+              </a:spcBef>
+              <a:spcAft>
+                <a:spcPts val="0"/>
+              </a:spcAft>
+            </a:pPr>
+            <a:r>
+              <a:rPr lang="en-US" sz="1600" dirty="0">
+                <a:effectLst/>
+                <a:latin typeface="Calibri" panose="020F0502020204030204" pitchFamily="34" charset="0"/>
+              </a:rPr>
+              <a:t>"Generally favorable : 89-75 games, 80-61 others"</a:t>
+            </a:r>
+            <a:br>
+              <a:rPr lang="en-US" sz="1600" dirty="0">
+                <a:effectLst/>
+                <a:latin typeface="Calibri" panose="020F0502020204030204" pitchFamily="34" charset="0"/>
+              </a:rPr>
+            </a:br>
+            <a:r>
+              <a:rPr lang="en-US" sz="1600" dirty="0">
+                <a:effectLst/>
+                <a:latin typeface="Calibri" panose="020F0502020204030204" pitchFamily="34" charset="0"/>
+              </a:rPr>
+              <a:t>"Mixed reception : 74-50 games, 60-40 others"</a:t>
+            </a:r>
+            <a:br>
+              <a:rPr lang="en-US" sz="1600" dirty="0">
+                <a:effectLst/>
+                <a:latin typeface="Calibri" panose="020F0502020204030204" pitchFamily="34" charset="0"/>
+              </a:rPr>
+            </a:br>
+            <a:r>
+              <a:rPr lang="en-US" sz="1600" dirty="0">
+                <a:effectLst/>
+                <a:latin typeface="Calibri" panose="020F0502020204030204" pitchFamily="34" charset="0"/>
+              </a:rPr>
+              <a:t>"Generally Unfavorable : 49-20 games, 39-20 others"</a:t>
+            </a:r>
+            <a:br>
+              <a:rPr lang="en-US" sz="1600" dirty="0">
+                <a:effectLst/>
+                <a:latin typeface="Calibri" panose="020F0502020204030204" pitchFamily="34" charset="0"/>
+              </a:rPr>
+            </a:br>
+            <a:r>
+              <a:rPr lang="en-US" sz="1600" dirty="0">
+                <a:effectLst/>
+                <a:latin typeface="Calibri" panose="020F0502020204030204" pitchFamily="34" charset="0"/>
+              </a:rPr>
+              <a:t>"Overwhelming Dislike :19-0 for all"</a:t>
+            </a:r>
+          </a:p>
+        </p:txBody>
+      </p:sp>
+      <p:pic>
+        <p:nvPicPr>
+          <p:cNvPr id="1026" name="Picture 2" descr="OY6-02GDtcQxYXXNlOfW5lXjbJqIpaZzGXma">
+            <a:extLst>
+              <a:ext uri="{FF2B5EF4-FFF2-40B4-BE49-F238E27FC236}">
+                <a16:creationId xmlns:a16="http://schemas.microsoft.com/office/drawing/2014/main" id="{31DB08BC-2E24-12A4-2BD2-D72B531DE8AE}"/>
+              </a:ext>
+            </a:extLst>
+          </p:cNvPr>
+          <p:cNvPicPr>
+            <a:picLocks noChangeAspect="1" noChangeArrowheads="1"/>
+          </p:cNvPicPr>
+          <p:nvPr/>
+        </p:nvPicPr>
+        <p:blipFill rotWithShape="1">
+          <a:blip r:embed="rId2">
+            <a:extLst>
+              <a:ext uri="{28A0092B-C50C-407E-A947-70E740481C1C}">
+                <a14:useLocalDpi xmlns:a14="http://schemas.microsoft.com/office/drawing/2010/main" val="0"/>
+              </a:ext>
+            </a:extLst>
+          </a:blip>
+          <a:srcRect l="48857" t="50000" b="5628"/>
+          <a:stretch/>
+        </p:blipFill>
+        <p:spPr bwMode="auto">
+          <a:xfrm>
+            <a:off x="6743959" y="3401604"/>
+            <a:ext cx="4404049" cy="2894441"/>
+          </a:xfrm>
+          <a:prstGeom prst="rect">
+            <a:avLst/>
+          </a:prstGeom>
+          <a:noFill/>
+          <a:extLst>
+            <a:ext uri="{909E8E84-426E-40DD-AFC4-6F175D3DCCD1}">
+              <a14:hiddenFill xmlns:a14="http://schemas.microsoft.com/office/drawing/2010/main">
+                <a:solidFill>
+                  <a:srgbClr val="FFFFFF"/>
+                </a:solidFill>
+              </a14:hiddenFill>
+            </a:ext>
+          </a:extLst>
+        </p:spPr>
+      </p:pic>
+      <p:sp>
+        <p:nvSpPr>
+          <p:cNvPr id="5" name="TextBox 4">
+            <a:extLst>
+              <a:ext uri="{FF2B5EF4-FFF2-40B4-BE49-F238E27FC236}">
+                <a16:creationId xmlns:a16="http://schemas.microsoft.com/office/drawing/2014/main" id="{620FD19F-DCEA-F62F-5A07-4C25DA4F50FE}"/>
+              </a:ext>
+            </a:extLst>
+          </p:cNvPr>
+          <p:cNvSpPr txBox="1"/>
+          <p:nvPr/>
+        </p:nvSpPr>
+        <p:spPr>
+          <a:xfrm>
+            <a:off x="969117" y="1253623"/>
+            <a:ext cx="9713167" cy="1708160"/>
+          </a:xfrm>
+          <a:prstGeom prst="rect">
+            <a:avLst/>
+          </a:prstGeom>
+          <a:noFill/>
+        </p:spPr>
+        <p:txBody>
+          <a:bodyPr wrap="square" rtlCol="0">
+            <a:spAutoFit/>
+          </a:bodyPr>
+          <a:lstStyle/>
+          <a:p>
+            <a:r>
+              <a:rPr lang="en-US" sz="1600" b="0" i="0" dirty="0">
+                <a:solidFill>
+                  <a:srgbClr val="0A0A23"/>
+                </a:solidFill>
+                <a:effectLst/>
+                <a:latin typeface="Lato" panose="020F0502020204030203" pitchFamily="34" charset="0"/>
+              </a:rPr>
+              <a:t>Rotten Tomatoes Case study</a:t>
+            </a:r>
+          </a:p>
+          <a:p>
+            <a:endParaRPr lang="en-US" sz="1400" b="0" i="0" dirty="0">
+              <a:solidFill>
+                <a:srgbClr val="0A0A23"/>
+              </a:solidFill>
+              <a:effectLst/>
+              <a:latin typeface="Lato" panose="020F0502020204030203" pitchFamily="34" charset="0"/>
+            </a:endParaRPr>
+          </a:p>
+          <a:p>
+            <a:r>
+              <a:rPr lang="en-US" sz="1500" b="0" i="0" dirty="0">
+                <a:solidFill>
+                  <a:srgbClr val="0A0A23"/>
+                </a:solidFill>
+                <a:effectLst/>
+                <a:latin typeface="Calibri" panose="020F0502020204030204" pitchFamily="34" charset="0"/>
+                <a:ea typeface="Calibri" panose="020F0502020204030204" pitchFamily="34" charset="0"/>
+                <a:cs typeface="Calibri" panose="020F0502020204030204" pitchFamily="34" charset="0"/>
+              </a:rPr>
+              <a:t>This distribution is not easy to interpret in context, because the tomatometer it’s not a classical rating, but rather represents the percentage of critics who gave a positive review to a movie. Anyway, I guess it should still boil down to the same normal distribution, with most of the movies having a moderate difference between the number of positive reviews and the negative ones (</a:t>
+            </a:r>
+            <a:r>
+              <a:rPr lang="en-US" sz="1500" b="1" i="0" dirty="0">
+                <a:solidFill>
+                  <a:srgbClr val="0A0A23"/>
+                </a:solidFill>
+                <a:effectLst/>
+                <a:latin typeface="Calibri" panose="020F0502020204030204" pitchFamily="34" charset="0"/>
+                <a:ea typeface="Calibri" panose="020F0502020204030204" pitchFamily="34" charset="0"/>
+                <a:cs typeface="Calibri" panose="020F0502020204030204" pitchFamily="34" charset="0"/>
+              </a:rPr>
+              <a:t>rendering many ratings of 30% — 70% positive reviews</a:t>
+            </a:r>
+            <a:r>
+              <a:rPr lang="en-US" sz="1500" b="0" i="0" dirty="0">
+                <a:solidFill>
+                  <a:srgbClr val="0A0A23"/>
+                </a:solidFill>
+                <a:effectLst/>
+                <a:latin typeface="Calibri" panose="020F0502020204030204" pitchFamily="34" charset="0"/>
+                <a:ea typeface="Calibri" panose="020F0502020204030204" pitchFamily="34" charset="0"/>
+                <a:cs typeface="Calibri" panose="020F0502020204030204" pitchFamily="34" charset="0"/>
+              </a:rPr>
+              <a:t>), and a few movies having a significantly bigger difference, in one way or the other.</a:t>
+            </a:r>
+            <a:endParaRPr lang="en-IN" sz="1500" dirty="0">
+              <a:latin typeface="Calibri" panose="020F0502020204030204" pitchFamily="34" charset="0"/>
+              <a:ea typeface="Calibri" panose="020F0502020204030204" pitchFamily="34" charset="0"/>
+              <a:cs typeface="Calibri" panose="020F0502020204030204" pitchFamily="34" charset="0"/>
+            </a:endParaRPr>
+          </a:p>
+        </p:txBody>
+      </p:sp>
+      <p:sp>
+        <p:nvSpPr>
+          <p:cNvPr id="7" name="TextBox 6">
+            <a:extLst>
+              <a:ext uri="{FF2B5EF4-FFF2-40B4-BE49-F238E27FC236}">
+                <a16:creationId xmlns:a16="http://schemas.microsoft.com/office/drawing/2014/main" id="{356B18CF-1005-DEA9-E3E2-740E60787C2C}"/>
+              </a:ext>
+            </a:extLst>
+          </p:cNvPr>
+          <p:cNvSpPr txBox="1"/>
+          <p:nvPr/>
+        </p:nvSpPr>
+        <p:spPr>
+          <a:xfrm>
+            <a:off x="969117" y="4720536"/>
+            <a:ext cx="5495730" cy="1077218"/>
+          </a:xfrm>
+          <a:prstGeom prst="rect">
+            <a:avLst/>
+          </a:prstGeom>
+          <a:noFill/>
+        </p:spPr>
+        <p:txBody>
+          <a:bodyPr wrap="square" rtlCol="0">
+            <a:spAutoFit/>
+          </a:bodyPr>
+          <a:lstStyle/>
+          <a:p>
+            <a:r>
+              <a:rPr lang="en-US" sz="1600" b="0" i="1" dirty="0">
+                <a:solidFill>
+                  <a:srgbClr val="0A0A23"/>
+                </a:solidFill>
+                <a:effectLst/>
+                <a:latin typeface="Calibri" panose="020F0502020204030204" pitchFamily="34" charset="0"/>
+                <a:ea typeface="Calibri" panose="020F0502020204030204" pitchFamily="34" charset="0"/>
+                <a:cs typeface="Calibri" panose="020F0502020204030204" pitchFamily="34" charset="0"/>
+              </a:rPr>
+              <a:t>the tomatometer’s distribution is unexpectedly uniform, and would look even flatter under a different binning strategy (a binning strategy is defined by the total number of bars and their ranges)</a:t>
+            </a:r>
+            <a:endParaRPr lang="en-IN" sz="1600" i="1" dirty="0">
+              <a:latin typeface="Calibri" panose="020F0502020204030204" pitchFamily="34" charset="0"/>
+              <a:ea typeface="Calibri" panose="020F0502020204030204" pitchFamily="34" charset="0"/>
+              <a:cs typeface="Calibri" panose="020F0502020204030204" pitchFamily="34" charset="0"/>
+            </a:endParaRPr>
+          </a:p>
+        </p:txBody>
+      </p:sp>
+      <p:sp>
+        <p:nvSpPr>
+          <p:cNvPr id="8" name="TextBox 7">
+            <a:extLst>
+              <a:ext uri="{FF2B5EF4-FFF2-40B4-BE49-F238E27FC236}">
+                <a16:creationId xmlns:a16="http://schemas.microsoft.com/office/drawing/2014/main" id="{00E9FCC7-97E7-65F0-66E3-1B8855FB740B}"/>
+              </a:ext>
+            </a:extLst>
+          </p:cNvPr>
+          <p:cNvSpPr txBox="1"/>
+          <p:nvPr/>
+        </p:nvSpPr>
+        <p:spPr>
+          <a:xfrm>
+            <a:off x="959994" y="3200403"/>
+            <a:ext cx="5077742" cy="1154162"/>
+          </a:xfrm>
+          <a:prstGeom prst="rect">
+            <a:avLst/>
+          </a:prstGeom>
+          <a:noFill/>
+        </p:spPr>
+        <p:txBody>
+          <a:bodyPr wrap="square" rtlCol="0">
+            <a:spAutoFit/>
+          </a:bodyPr>
+          <a:lstStyle/>
+          <a:p>
+            <a:pPr marL="342900" indent="-342900">
+              <a:buFont typeface="+mj-lt"/>
+              <a:buAutoNum type="arabicPeriod"/>
+            </a:pPr>
+            <a:r>
+              <a:rPr lang="en-IN" sz="1400" dirty="0"/>
+              <a:t>The context interpretation is ruined. A 75% rated product is average due to increasing bar of average criteria/ expectations.</a:t>
+            </a:r>
+          </a:p>
+          <a:p>
+            <a:pPr marL="342900" indent="-342900">
+              <a:buFont typeface="+mj-lt"/>
+              <a:buAutoNum type="arabicPeriod"/>
+            </a:pPr>
+            <a:endParaRPr lang="en-IN" sz="1300" b="1" dirty="0"/>
+          </a:p>
+          <a:p>
+            <a:pPr marL="342900" indent="-342900">
+              <a:buFont typeface="+mj-lt"/>
+              <a:buAutoNum type="arabicPeriod"/>
+            </a:pPr>
+            <a:r>
+              <a:rPr lang="en-IN" sz="1400" b="1" dirty="0"/>
+              <a:t>This system</a:t>
+            </a:r>
+            <a:r>
+              <a:rPr lang="en-US" sz="1400" b="1" dirty="0">
+                <a:solidFill>
+                  <a:srgbClr val="0A0A23"/>
+                </a:solidFill>
+                <a:effectLst/>
+              </a:rPr>
+              <a:t> is unfit for the bad-average-good qualitative framework, because it makes movies either good, either bad.</a:t>
+            </a:r>
+            <a:r>
+              <a:rPr lang="en-US" sz="1400" b="0" i="0" dirty="0">
+                <a:solidFill>
+                  <a:srgbClr val="0A0A23"/>
+                </a:solidFill>
+                <a:effectLst/>
+              </a:rPr>
+              <a:t> </a:t>
+            </a:r>
+            <a:endParaRPr lang="en-IN" sz="1400" dirty="0"/>
+          </a:p>
+        </p:txBody>
+      </p:sp>
+      <p:sp>
+        <p:nvSpPr>
+          <p:cNvPr id="9" name="TextBox 8">
+            <a:extLst>
+              <a:ext uri="{FF2B5EF4-FFF2-40B4-BE49-F238E27FC236}">
+                <a16:creationId xmlns:a16="http://schemas.microsoft.com/office/drawing/2014/main" id="{125D1F97-B267-7E31-91EA-6C27F40FBF19}"/>
+              </a:ext>
+            </a:extLst>
+          </p:cNvPr>
+          <p:cNvSpPr txBox="1"/>
+          <p:nvPr/>
+        </p:nvSpPr>
+        <p:spPr>
+          <a:xfrm>
+            <a:off x="6357879" y="6311696"/>
+            <a:ext cx="5430416" cy="261610"/>
+          </a:xfrm>
+          <a:prstGeom prst="rect">
+            <a:avLst/>
+          </a:prstGeom>
+          <a:noFill/>
+        </p:spPr>
+        <p:txBody>
+          <a:bodyPr wrap="square" rtlCol="0">
+            <a:spAutoFit/>
+          </a:bodyPr>
+          <a:lstStyle/>
+          <a:p>
+            <a:r>
+              <a:rPr lang="en-IN" sz="1100" i="1" dirty="0"/>
+              <a:t>Note: Can show more case study with more specific problems and examples but not here.</a:t>
+            </a:r>
+          </a:p>
+        </p:txBody>
+      </p:sp>
+      <p:sp>
+        <p:nvSpPr>
+          <p:cNvPr id="3" name="TextBox 2">
+            <a:extLst>
+              <a:ext uri="{FF2B5EF4-FFF2-40B4-BE49-F238E27FC236}">
+                <a16:creationId xmlns:a16="http://schemas.microsoft.com/office/drawing/2014/main" id="{9E873F3B-4EB2-82A3-8179-D966C6BCEC7A}"/>
+              </a:ext>
+            </a:extLst>
+          </p:cNvPr>
+          <p:cNvSpPr txBox="1"/>
+          <p:nvPr/>
+        </p:nvSpPr>
+        <p:spPr>
+          <a:xfrm>
+            <a:off x="1250302" y="5990253"/>
+            <a:ext cx="3676261" cy="369332"/>
+          </a:xfrm>
+          <a:prstGeom prst="rect">
+            <a:avLst/>
+          </a:prstGeom>
+          <a:noFill/>
+        </p:spPr>
+        <p:txBody>
+          <a:bodyPr wrap="square" rtlCol="0">
+            <a:spAutoFit/>
+          </a:bodyPr>
+          <a:lstStyle/>
+          <a:p>
+            <a:r>
+              <a:rPr lang="en-US" dirty="0"/>
+              <a:t>Problem statement</a:t>
+            </a:r>
+            <a:endParaRPr lang="en-IN" dirty="0"/>
+          </a:p>
+        </p:txBody>
+      </p:sp>
+      <p:cxnSp>
+        <p:nvCxnSpPr>
+          <p:cNvPr id="10" name="Connector: Curved 9">
+            <a:extLst>
+              <a:ext uri="{FF2B5EF4-FFF2-40B4-BE49-F238E27FC236}">
+                <a16:creationId xmlns:a16="http://schemas.microsoft.com/office/drawing/2014/main" id="{ACF9A308-8F61-9EFA-3886-1F31A2D27905}"/>
+              </a:ext>
+            </a:extLst>
+          </p:cNvPr>
+          <p:cNvCxnSpPr>
+            <a:stCxn id="8" idx="1"/>
+            <a:endCxn id="3" idx="1"/>
+          </p:cNvCxnSpPr>
+          <p:nvPr/>
+        </p:nvCxnSpPr>
+        <p:spPr>
+          <a:xfrm rot="10800000" flipH="1" flipV="1">
+            <a:off x="959994" y="3777483"/>
+            <a:ext cx="290308" cy="2397435"/>
+          </a:xfrm>
+          <a:prstGeom prst="curvedConnector3">
+            <a:avLst>
+              <a:gd name="adj1" fmla="val -220162"/>
+            </a:avLst>
+          </a:prstGeom>
+          <a:ln w="19050">
+            <a:solidFill>
+              <a:schemeClr val="tx1">
+                <a:lumMod val="95000"/>
+                <a:lumOff val="5000"/>
+              </a:schemeClr>
+            </a:solidFill>
+            <a:tailEnd type="triangle"/>
+          </a:ln>
+        </p:spPr>
+        <p:style>
+          <a:lnRef idx="1">
+            <a:schemeClr val="accent1"/>
+          </a:lnRef>
+          <a:fillRef idx="0">
+            <a:schemeClr val="accent1"/>
+          </a:fillRef>
+          <a:effectRef idx="0">
+            <a:schemeClr val="accent1"/>
+          </a:effectRef>
+          <a:fontRef idx="minor">
+            <a:schemeClr val="tx1"/>
+          </a:fontRef>
+        </p:style>
+      </p:cxnSp>
+    </p:spTree>
+    <p:extLst>
+      <p:ext uri="{BB962C8B-B14F-4D97-AF65-F5344CB8AC3E}">
+        <p14:creationId xmlns:p14="http://schemas.microsoft.com/office/powerpoint/2010/main" val="294697685"/>
+      </p:ext>
+    </p:extLst>
+  </p:cSld>
+  <p:clrMapOvr>
+    <a:masterClrMapping/>
+  </p:clrMapOvr>
+</p:sld>
+</file>
+
+<file path=ppt/slides/slide6.xml><?xml version="1.0" encoding="utf-8"?>
+<p:sld xmlns:a="http://schemas.openxmlformats.org/drawingml/2006/main" xmlns:r="http://schemas.openxmlformats.org/officeDocument/2006/relationships" xmlns:p="http://schemas.openxmlformats.org/presentationml/2006/main">
+  <p:cSld>
+    <p:spTree>
+      <p:nvGrpSpPr>
+        <p:cNvPr id="1" name=""/>
+        <p:cNvGrpSpPr/>
+        <p:nvPr/>
+      </p:nvGrpSpPr>
+      <p:grpSpPr>
+        <a:xfrm>
+          <a:off x="0" y="0"/>
+          <a:ext cx="0" cy="0"/>
+          <a:chOff x="0" y="0"/>
+          <a:chExt cx="0" cy="0"/>
+        </a:xfrm>
+      </p:grpSpPr>
+      <p:sp>
+        <p:nvSpPr>
+          <p:cNvPr id="2" name="TextBox 1">
+            <a:extLst>
+              <a:ext uri="{FF2B5EF4-FFF2-40B4-BE49-F238E27FC236}">
+                <a16:creationId xmlns:a16="http://schemas.microsoft.com/office/drawing/2014/main" id="{0D002345-A576-0160-5D77-EC6F17979DC3}"/>
+              </a:ext>
+            </a:extLst>
+          </p:cNvPr>
+          <p:cNvSpPr txBox="1"/>
+          <p:nvPr/>
+        </p:nvSpPr>
+        <p:spPr>
+          <a:xfrm>
+            <a:off x="969969" y="700658"/>
+            <a:ext cx="3657600" cy="461665"/>
+          </a:xfrm>
+          <a:prstGeom prst="rect">
+            <a:avLst/>
+          </a:prstGeom>
+          <a:noFill/>
+        </p:spPr>
+        <p:txBody>
+          <a:bodyPr wrap="square" rtlCol="0">
+            <a:spAutoFit/>
+          </a:bodyPr>
+          <a:lstStyle/>
+          <a:p>
+            <a:r>
+              <a:rPr lang="en-IN" sz="2400" dirty="0"/>
+              <a:t>Problems</a:t>
+            </a:r>
+          </a:p>
+        </p:txBody>
+      </p:sp>
+      <p:sp>
+        <p:nvSpPr>
+          <p:cNvPr id="3" name="TextBox 2">
+            <a:extLst>
+              <a:ext uri="{FF2B5EF4-FFF2-40B4-BE49-F238E27FC236}">
+                <a16:creationId xmlns:a16="http://schemas.microsoft.com/office/drawing/2014/main" id="{6466B596-49D7-FF51-9712-0BA909D26E8E}"/>
+              </a:ext>
+            </a:extLst>
+          </p:cNvPr>
+          <p:cNvSpPr txBox="1"/>
+          <p:nvPr/>
+        </p:nvSpPr>
+        <p:spPr>
+          <a:xfrm>
+            <a:off x="969969" y="1162323"/>
+            <a:ext cx="10077060" cy="1754326"/>
+          </a:xfrm>
+          <a:prstGeom prst="rect">
+            <a:avLst/>
+          </a:prstGeom>
+          <a:noFill/>
+        </p:spPr>
+        <p:txBody>
+          <a:bodyPr wrap="square" rtlCol="0">
+            <a:spAutoFit/>
+          </a:bodyPr>
+          <a:lstStyle/>
+          <a:p>
+            <a:r>
+              <a:rPr lang="en-IN" sz="1800" dirty="0">
+                <a:effectLst/>
+                <a:latin typeface="Calibri" panose="020F0502020204030204" pitchFamily="34" charset="0"/>
+              </a:rPr>
+              <a:t> 1. No clear difference between Intrinsic and extrinsic reviewing.</a:t>
+            </a:r>
+          </a:p>
+          <a:p>
+            <a:r>
+              <a:rPr lang="en-IN" sz="1800" dirty="0">
+                <a:effectLst/>
+                <a:latin typeface="Calibri" panose="020F0502020204030204" pitchFamily="34" charset="0"/>
+              </a:rPr>
+              <a:t> 2. Inconsistence in rating two products.(retrospective problem)</a:t>
+            </a:r>
+            <a:endParaRPr lang="en-IN" dirty="0">
+              <a:latin typeface="Calibri" panose="020F0502020204030204" pitchFamily="34" charset="0"/>
+            </a:endParaRPr>
+          </a:p>
+          <a:p>
+            <a:r>
+              <a:rPr lang="en-IN" sz="1800" dirty="0">
+                <a:effectLst/>
+                <a:latin typeface="Calibri" panose="020F0502020204030204" pitchFamily="34" charset="0"/>
+              </a:rPr>
+              <a:t> 3. </a:t>
+            </a:r>
+            <a:r>
+              <a:rPr lang="en-IN" dirty="0">
+                <a:latin typeface="Calibri" panose="020F0502020204030204" pitchFamily="34" charset="0"/>
+              </a:rPr>
+              <a:t>I</a:t>
+            </a:r>
+            <a:r>
+              <a:rPr lang="en-IN" sz="1800" dirty="0">
+                <a:effectLst/>
+                <a:latin typeface="Calibri" panose="020F0502020204030204" pitchFamily="34" charset="0"/>
+              </a:rPr>
+              <a:t>nflated median that increase over time leading good-average-bad system  </a:t>
+            </a:r>
+          </a:p>
+          <a:p>
+            <a:r>
+              <a:rPr lang="en-IN" dirty="0">
+                <a:latin typeface="Calibri" panose="020F0502020204030204" pitchFamily="34" charset="0"/>
+              </a:rPr>
+              <a:t>      </a:t>
+            </a:r>
+            <a:r>
+              <a:rPr lang="en-IN" sz="1800" dirty="0">
+                <a:effectLst/>
+                <a:latin typeface="Calibri" panose="020F0502020204030204" pitchFamily="34" charset="0"/>
+              </a:rPr>
+              <a:t>to good-bad.</a:t>
+            </a:r>
+          </a:p>
+          <a:p>
+            <a:r>
+              <a:rPr lang="en-IN" sz="1800" dirty="0">
+                <a:effectLst/>
+                <a:latin typeface="Calibri" panose="020F0502020204030204" pitchFamily="34" charset="0"/>
+              </a:rPr>
+              <a:t> 4. Over competition leading to overshadowing of unique and original which    </a:t>
+            </a:r>
+          </a:p>
+          <a:p>
+            <a:r>
+              <a:rPr lang="en-IN" sz="1800" dirty="0">
+                <a:effectLst/>
+                <a:latin typeface="Calibri" panose="020F0502020204030204" pitchFamily="34" charset="0"/>
+              </a:rPr>
+              <a:t>     are never heard</a:t>
+            </a:r>
+            <a:endParaRPr lang="en-IN" sz="1400" dirty="0"/>
+          </a:p>
+        </p:txBody>
+      </p:sp>
+      <p:pic>
+        <p:nvPicPr>
+          <p:cNvPr id="1026" name="Picture 2" descr="Gaming Review Scores Old Vs New : r/pcmasterrace">
+            <a:extLst>
+              <a:ext uri="{FF2B5EF4-FFF2-40B4-BE49-F238E27FC236}">
+                <a16:creationId xmlns:a16="http://schemas.microsoft.com/office/drawing/2014/main" id="{7D9B46E4-C5B8-FB22-322E-ACC7BE8C3AB6}"/>
               </a:ext>
             </a:extLst>
           </p:cNvPr>
@@ -3801,1707 +5888,6 @@
         </p:blipFill>
         <p:spPr bwMode="auto">
           <a:xfrm>
-            <a:off x="2262722" y="1433081"/>
-            <a:ext cx="8042988" cy="4140882"/>
-          </a:xfrm>
-          <a:prstGeom prst="rect">
-            <a:avLst/>
-          </a:prstGeom>
-          <a:noFill/>
-          <a:extLst>
-            <a:ext uri="{909E8E84-426E-40DD-AFC4-6F175D3DCCD1}">
-              <a14:hiddenFill xmlns:a14="http://schemas.microsoft.com/office/drawing/2010/main">
-                <a:solidFill>
-                  <a:srgbClr val="FFFFFF"/>
-                </a:solidFill>
-              </a14:hiddenFill>
-            </a:ext>
-          </a:extLst>
-        </p:spPr>
-      </p:pic>
-    </p:spTree>
-    <p:extLst>
-      <p:ext uri="{BB962C8B-B14F-4D97-AF65-F5344CB8AC3E}">
-        <p14:creationId xmlns:p14="http://schemas.microsoft.com/office/powerpoint/2010/main" val="3891289297"/>
-      </p:ext>
-    </p:extLst>
-  </p:cSld>
-  <p:clrMapOvr>
-    <a:masterClrMapping/>
-  </p:clrMapOvr>
-</p:sld>
-</file>
-
-<file path=ppt/slides/slide2.xml><?xml version="1.0" encoding="utf-8"?>
-<p:sld xmlns:a="http://schemas.openxmlformats.org/drawingml/2006/main" xmlns:r="http://schemas.openxmlformats.org/officeDocument/2006/relationships" xmlns:p="http://schemas.openxmlformats.org/presentationml/2006/main">
-  <p:cSld>
-    <p:spTree>
-      <p:nvGrpSpPr>
-        <p:cNvPr id="1" name=""/>
-        <p:cNvGrpSpPr/>
-        <p:nvPr/>
-      </p:nvGrpSpPr>
-      <p:grpSpPr>
-        <a:xfrm>
-          <a:off x="0" y="0"/>
-          <a:ext cx="0" cy="0"/>
-          <a:chOff x="0" y="0"/>
-          <a:chExt cx="0" cy="0"/>
-        </a:xfrm>
-      </p:grpSpPr>
-      <p:pic>
-        <p:nvPicPr>
-          <p:cNvPr id="2" name="Picture 1">
-            <a:extLst>
-              <a:ext uri="{FF2B5EF4-FFF2-40B4-BE49-F238E27FC236}">
-                <a16:creationId xmlns:a16="http://schemas.microsoft.com/office/drawing/2014/main" id="{D8C7BC69-79CF-3D8A-FF64-EF4D0829B998}"/>
-              </a:ext>
-              <a:ext uri="{C183D7F6-B498-43B3-948B-1728B52AA6E4}">
-                <adec:decorative xmlns:adec="http://schemas.microsoft.com/office/drawing/2017/decorative" val="1"/>
-              </a:ext>
-            </a:extLst>
-          </p:cNvPr>
-          <p:cNvPicPr>
-            <a:picLocks noChangeAspect="1"/>
-          </p:cNvPicPr>
-          <p:nvPr/>
-        </p:nvPicPr>
-        <p:blipFill rotWithShape="1">
-          <a:blip r:embed="rId2">
-            <a:alphaModFix amt="85000"/>
-            <a:extLst>
-              <a:ext uri="{BEBA8EAE-BF5A-486C-A8C5-ECC9F3942E4B}">
-                <a14:imgProps xmlns:a14="http://schemas.microsoft.com/office/drawing/2010/main">
-                  <a14:imgLayer r:embed="rId3">
-                    <a14:imgEffect>
-                      <a14:artisticPlasticWrap/>
-                    </a14:imgEffect>
-                  </a14:imgLayer>
-                </a14:imgProps>
-              </a:ext>
-            </a:extLst>
-          </a:blip>
-          <a:srcRect l="20442" t="139" r="23308" b="23719"/>
-          <a:stretch/>
-        </p:blipFill>
-        <p:spPr>
-          <a:xfrm rot="5400000">
-            <a:off x="-814040" y="713680"/>
-            <a:ext cx="6858002" cy="5430644"/>
-          </a:xfrm>
-          <a:prstGeom prst="rect">
-            <a:avLst/>
-          </a:prstGeom>
-        </p:spPr>
-      </p:pic>
-      <p:sp>
-        <p:nvSpPr>
-          <p:cNvPr id="4" name="TextBox 3">
-            <a:extLst>
-              <a:ext uri="{FF2B5EF4-FFF2-40B4-BE49-F238E27FC236}">
-                <a16:creationId xmlns:a16="http://schemas.microsoft.com/office/drawing/2014/main" id="{EAA40D7B-54E1-289B-5A84-8285E397D804}"/>
-              </a:ext>
-            </a:extLst>
-          </p:cNvPr>
-          <p:cNvSpPr txBox="1"/>
-          <p:nvPr/>
-        </p:nvSpPr>
-        <p:spPr>
-          <a:xfrm>
-            <a:off x="6096000" y="1279503"/>
-            <a:ext cx="5756988" cy="1200329"/>
-          </a:xfrm>
-          <a:prstGeom prst="rect">
-            <a:avLst/>
-          </a:prstGeom>
-          <a:noFill/>
-        </p:spPr>
-        <p:txBody>
-          <a:bodyPr wrap="square" rtlCol="0">
-            <a:spAutoFit/>
-          </a:bodyPr>
-          <a:lstStyle/>
-          <a:p>
-            <a:r>
-              <a:rPr lang="en-US" sz="3600" dirty="0">
-                <a:latin typeface="Tahoma" panose="020B0604030504040204" pitchFamily="34" charset="0"/>
-                <a:ea typeface="Tahoma" panose="020B0604030504040204" pitchFamily="34" charset="0"/>
-                <a:cs typeface="Tahoma" panose="020B0604030504040204" pitchFamily="34" charset="0"/>
-              </a:rPr>
-              <a:t>“Time doesn’t change</a:t>
-            </a:r>
-          </a:p>
-          <a:p>
-            <a:r>
-              <a:rPr lang="en-US" sz="3600" dirty="0">
-                <a:latin typeface="Tahoma" panose="020B0604030504040204" pitchFamily="34" charset="0"/>
-                <a:ea typeface="Tahoma" panose="020B0604030504040204" pitchFamily="34" charset="0"/>
-                <a:cs typeface="Tahoma" panose="020B0604030504040204" pitchFamily="34" charset="0"/>
-              </a:rPr>
-              <a:t> Time reveals.”</a:t>
-            </a:r>
-            <a:endParaRPr lang="en-IN" sz="3600" dirty="0">
-              <a:latin typeface="Tahoma" panose="020B0604030504040204" pitchFamily="34" charset="0"/>
-              <a:ea typeface="Tahoma" panose="020B0604030504040204" pitchFamily="34" charset="0"/>
-              <a:cs typeface="Tahoma" panose="020B0604030504040204" pitchFamily="34" charset="0"/>
-            </a:endParaRPr>
-          </a:p>
-        </p:txBody>
-      </p:sp>
-      <p:sp>
-        <p:nvSpPr>
-          <p:cNvPr id="5" name="TextBox 4">
-            <a:extLst>
-              <a:ext uri="{FF2B5EF4-FFF2-40B4-BE49-F238E27FC236}">
-                <a16:creationId xmlns:a16="http://schemas.microsoft.com/office/drawing/2014/main" id="{C3D45805-D5F2-9FF9-1E62-85C27B32DCE6}"/>
-              </a:ext>
-            </a:extLst>
-          </p:cNvPr>
-          <p:cNvSpPr txBox="1"/>
-          <p:nvPr/>
-        </p:nvSpPr>
-        <p:spPr>
-          <a:xfrm>
-            <a:off x="2614960" y="2702594"/>
-            <a:ext cx="9238027" cy="2308324"/>
-          </a:xfrm>
-          <a:prstGeom prst="rect">
-            <a:avLst/>
-          </a:prstGeom>
-          <a:noFill/>
-        </p:spPr>
-        <p:txBody>
-          <a:bodyPr wrap="square" rtlCol="0">
-            <a:spAutoFit/>
-          </a:bodyPr>
-          <a:lstStyle/>
-          <a:p>
-            <a:r>
-              <a:rPr lang="en-US" dirty="0"/>
-              <a:t>Contents</a:t>
-            </a:r>
-          </a:p>
-          <a:p>
-            <a:r>
-              <a:rPr lang="en-US" dirty="0"/>
-              <a:t>0.   Introduction and idea                                                  ( Ideology )</a:t>
-            </a:r>
-          </a:p>
-          <a:p>
-            <a:pPr marL="342900" indent="-342900">
-              <a:buAutoNum type="arabicPeriod"/>
-            </a:pPr>
-            <a:r>
-              <a:rPr lang="en-US" dirty="0"/>
-              <a:t>Past Critique system</a:t>
-            </a:r>
-          </a:p>
-          <a:p>
-            <a:pPr marL="342900" indent="-342900">
-              <a:buAutoNum type="arabicPeriod"/>
-            </a:pPr>
-            <a:r>
-              <a:rPr lang="en-US" dirty="0"/>
-              <a:t>Modern Critique system                                              (1-2 Problem statement with case study)</a:t>
-            </a:r>
-          </a:p>
-          <a:p>
-            <a:pPr marL="342900" indent="-342900">
-              <a:buAutoNum type="arabicPeriod"/>
-            </a:pPr>
-            <a:r>
-              <a:rPr lang="en-IN" dirty="0"/>
-              <a:t>Problems                                                                        ( Problems listed )</a:t>
-            </a:r>
-          </a:p>
-          <a:p>
-            <a:pPr marL="342900" indent="-342900">
-              <a:buAutoNum type="arabicPeriod"/>
-            </a:pPr>
-            <a:r>
-              <a:rPr lang="en-IN" dirty="0"/>
-              <a:t>Possible solutions                                                         (Listed solutions with effects)</a:t>
-            </a:r>
-          </a:p>
-          <a:p>
-            <a:pPr marL="342900" indent="-342900">
-              <a:buAutoNum type="arabicPeriod"/>
-            </a:pPr>
-            <a:r>
-              <a:rPr lang="en-IN" dirty="0"/>
-              <a:t>Idea Implementation </a:t>
-            </a:r>
-          </a:p>
-          <a:p>
-            <a:pPr marL="342900" indent="-342900">
-              <a:buAutoNum type="arabicPeriod"/>
-            </a:pPr>
-            <a:r>
-              <a:rPr lang="en-IN" dirty="0">
-                <a:solidFill>
-                  <a:schemeClr val="bg2">
-                    <a:lumMod val="90000"/>
-                  </a:schemeClr>
-                </a:solidFill>
-              </a:rPr>
-              <a:t>No absolute system                                                      (ideas and thoughts on Future)</a:t>
-            </a:r>
-          </a:p>
-        </p:txBody>
-      </p:sp>
-    </p:spTree>
-    <p:extLst>
-      <p:ext uri="{BB962C8B-B14F-4D97-AF65-F5344CB8AC3E}">
-        <p14:creationId xmlns:p14="http://schemas.microsoft.com/office/powerpoint/2010/main" val="2227995187"/>
-      </p:ext>
-    </p:extLst>
-  </p:cSld>
-  <p:clrMapOvr>
-    <a:masterClrMapping/>
-  </p:clrMapOvr>
-</p:sld>
-</file>
-
-<file path=ppt/slides/slide3.xml><?xml version="1.0" encoding="utf-8"?>
-<p:sld xmlns:a="http://schemas.openxmlformats.org/drawingml/2006/main" xmlns:r="http://schemas.openxmlformats.org/officeDocument/2006/relationships" xmlns:p="http://schemas.openxmlformats.org/presentationml/2006/main">
-  <p:cSld>
-    <p:spTree>
-      <p:nvGrpSpPr>
-        <p:cNvPr id="1" name=""/>
-        <p:cNvGrpSpPr/>
-        <p:nvPr/>
-      </p:nvGrpSpPr>
-      <p:grpSpPr>
-        <a:xfrm>
-          <a:off x="0" y="0"/>
-          <a:ext cx="0" cy="0"/>
-          <a:chOff x="0" y="0"/>
-          <a:chExt cx="0" cy="0"/>
-        </a:xfrm>
-      </p:grpSpPr>
-      <p:sp>
-        <p:nvSpPr>
-          <p:cNvPr id="5" name="TextBox 4" hidden="1">
-            <a:extLst>
-              <a:ext uri="{FF2B5EF4-FFF2-40B4-BE49-F238E27FC236}">
-                <a16:creationId xmlns:a16="http://schemas.microsoft.com/office/drawing/2014/main" id="{836DAC26-83EB-11E4-A4B6-B65877A54209}"/>
-              </a:ext>
-            </a:extLst>
-          </p:cNvPr>
-          <p:cNvSpPr txBox="1"/>
-          <p:nvPr/>
-        </p:nvSpPr>
-        <p:spPr>
-          <a:xfrm>
-            <a:off x="1064870" y="4676172"/>
-            <a:ext cx="10486663" cy="369332"/>
-          </a:xfrm>
-          <a:prstGeom prst="rect">
-            <a:avLst/>
-          </a:prstGeom>
-          <a:noFill/>
-        </p:spPr>
-        <p:txBody>
-          <a:bodyPr wrap="square" rtlCol="0">
-            <a:spAutoFit/>
-          </a:bodyPr>
-          <a:lstStyle/>
-          <a:p>
-            <a:r>
-              <a:rPr lang="en-US" dirty="0"/>
-              <a:t>                       We try to introspect the present/modern title with past knowledge. </a:t>
-            </a:r>
-            <a:endParaRPr lang="en-IN" dirty="0"/>
-          </a:p>
-        </p:txBody>
-      </p:sp>
-      <p:pic>
-        <p:nvPicPr>
-          <p:cNvPr id="2" name="Picture 1">
-            <a:extLst>
-              <a:ext uri="{FF2B5EF4-FFF2-40B4-BE49-F238E27FC236}">
-                <a16:creationId xmlns:a16="http://schemas.microsoft.com/office/drawing/2014/main" id="{363244C3-7309-ED35-7170-C83F2B147371}"/>
-              </a:ext>
-              <a:ext uri="{C183D7F6-B498-43B3-948B-1728B52AA6E4}">
-                <adec:decorative xmlns:adec="http://schemas.microsoft.com/office/drawing/2017/decorative" val="1"/>
-              </a:ext>
-            </a:extLst>
-          </p:cNvPr>
-          <p:cNvPicPr>
-            <a:picLocks noChangeAspect="1"/>
-          </p:cNvPicPr>
-          <p:nvPr/>
-        </p:nvPicPr>
-        <p:blipFill rotWithShape="1">
-          <a:blip r:embed="rId2">
-            <a:alphaModFix amt="35000"/>
-            <a:extLst>
-              <a:ext uri="{28A0092B-C50C-407E-A947-70E740481C1C}">
-                <a14:useLocalDpi xmlns:a14="http://schemas.microsoft.com/office/drawing/2010/main" val="0"/>
-              </a:ext>
-            </a:extLst>
-          </a:blip>
-          <a:srcRect/>
-          <a:stretch/>
-        </p:blipFill>
-        <p:spPr>
-          <a:xfrm>
-            <a:off x="-1" y="10"/>
-            <a:ext cx="12192001" cy="6857990"/>
-          </a:xfrm>
-          <a:prstGeom prst="rect">
-            <a:avLst/>
-          </a:prstGeom>
-        </p:spPr>
-      </p:pic>
-      <p:sp>
-        <p:nvSpPr>
-          <p:cNvPr id="3" name="TextBox 2">
-            <a:extLst>
-              <a:ext uri="{FF2B5EF4-FFF2-40B4-BE49-F238E27FC236}">
-                <a16:creationId xmlns:a16="http://schemas.microsoft.com/office/drawing/2014/main" id="{F2DFBC71-1D45-A710-E7BF-195D863307DA}"/>
-              </a:ext>
-            </a:extLst>
-          </p:cNvPr>
-          <p:cNvSpPr txBox="1"/>
-          <p:nvPr/>
-        </p:nvSpPr>
-        <p:spPr>
-          <a:xfrm>
-            <a:off x="963270" y="715958"/>
-            <a:ext cx="3264061" cy="461665"/>
-          </a:xfrm>
-          <a:prstGeom prst="rect">
-            <a:avLst/>
-          </a:prstGeom>
-          <a:noFill/>
-        </p:spPr>
-        <p:txBody>
-          <a:bodyPr wrap="square" rtlCol="0">
-            <a:spAutoFit/>
-          </a:bodyPr>
-          <a:lstStyle/>
-          <a:p>
-            <a:r>
-              <a:rPr lang="en-US" sz="2400" b="1" dirty="0"/>
-              <a:t>Introduction</a:t>
-            </a:r>
-            <a:endParaRPr lang="en-IN" sz="2400" b="1" dirty="0"/>
-          </a:p>
-        </p:txBody>
-      </p:sp>
-      <p:sp>
-        <p:nvSpPr>
-          <p:cNvPr id="4" name="TextBox 3">
-            <a:extLst>
-              <a:ext uri="{FF2B5EF4-FFF2-40B4-BE49-F238E27FC236}">
-                <a16:creationId xmlns:a16="http://schemas.microsoft.com/office/drawing/2014/main" id="{0FCB829C-D2F7-EDC4-E502-37749968EEE9}"/>
-              </a:ext>
-            </a:extLst>
-          </p:cNvPr>
-          <p:cNvSpPr txBox="1"/>
-          <p:nvPr/>
-        </p:nvSpPr>
-        <p:spPr>
-          <a:xfrm>
-            <a:off x="993750" y="1248743"/>
-            <a:ext cx="10486663" cy="2954655"/>
-          </a:xfrm>
-          <a:prstGeom prst="rect">
-            <a:avLst/>
-          </a:prstGeom>
-          <a:noFill/>
-        </p:spPr>
-        <p:txBody>
-          <a:bodyPr wrap="square" rtlCol="0">
-            <a:spAutoFit/>
-          </a:bodyPr>
-          <a:lstStyle/>
-          <a:p>
-            <a:r>
-              <a:rPr lang="en-US" sz="2400" dirty="0"/>
-              <a:t>Introspective and retrospective</a:t>
-            </a:r>
-          </a:p>
-          <a:p>
-            <a:endParaRPr lang="en-US" dirty="0"/>
-          </a:p>
-          <a:p>
-            <a:r>
-              <a:rPr lang="en-US" dirty="0"/>
-              <a:t>What’s the meaning of these two word.  </a:t>
-            </a:r>
-          </a:p>
-          <a:p>
-            <a:r>
-              <a:rPr lang="en-US" b="1" dirty="0"/>
-              <a:t>Retrospective</a:t>
-            </a:r>
-            <a:r>
-              <a:rPr lang="en-US" dirty="0"/>
-              <a:t> is the </a:t>
-            </a:r>
-            <a:r>
-              <a:rPr lang="en-US" i="1" dirty="0"/>
-              <a:t>critique or examining of past acts, works with present wisdom or knowledge.</a:t>
-            </a:r>
-          </a:p>
-          <a:p>
-            <a:r>
-              <a:rPr lang="en-US" b="1" dirty="0"/>
-              <a:t>Introspective</a:t>
-            </a:r>
-            <a:r>
-              <a:rPr lang="en-US" dirty="0"/>
-              <a:t> is </a:t>
-            </a:r>
-            <a:r>
-              <a:rPr lang="en-US" i="1" dirty="0"/>
-              <a:t>the critique or examining of present acts, work with past wisdom or knowledge.</a:t>
-            </a:r>
-          </a:p>
-          <a:p>
-            <a:endParaRPr lang="en-US" dirty="0"/>
-          </a:p>
-          <a:p>
-            <a:r>
-              <a:rPr lang="en-US" dirty="0"/>
-              <a:t>                         Ever heard anyone saw “</a:t>
-            </a:r>
-            <a:r>
-              <a:rPr lang="en-US" b="1" dirty="0"/>
-              <a:t>Modern</a:t>
-            </a:r>
-            <a:r>
-              <a:rPr lang="en-US" dirty="0"/>
-              <a:t> </a:t>
-            </a:r>
-            <a:r>
-              <a:rPr lang="en-US" u="sng" dirty="0"/>
-              <a:t>film/tv/games</a:t>
-            </a:r>
-            <a:r>
-              <a:rPr lang="en-US" dirty="0"/>
-              <a:t> is bad these days or as not good as past ”. If u look at review, they look similar/better than past. Then what the problem here? Why is there a conflict between past and present work even if present work is in every way better than past. Plot thickens. </a:t>
-            </a:r>
-            <a:r>
-              <a:rPr lang="en-US" i="1" dirty="0"/>
-              <a:t>Problem is that review system employed to critique is </a:t>
-            </a:r>
-            <a:r>
-              <a:rPr lang="en-US" b="1" i="1" dirty="0"/>
-              <a:t>outdated, inconsistence,</a:t>
-            </a:r>
-            <a:r>
-              <a:rPr lang="en-US" i="1" dirty="0"/>
-              <a:t> </a:t>
-            </a:r>
-            <a:r>
-              <a:rPr lang="en-US" b="1" i="1" dirty="0"/>
-              <a:t>inflated</a:t>
-            </a:r>
-            <a:r>
-              <a:rPr lang="en-US" i="1" dirty="0"/>
-              <a:t> and importantly </a:t>
-            </a:r>
-            <a:r>
-              <a:rPr lang="en-US" b="1" i="1" dirty="0"/>
-              <a:t>being too </a:t>
-            </a:r>
-            <a:endParaRPr lang="en-IN" i="1" dirty="0"/>
-          </a:p>
-        </p:txBody>
-      </p:sp>
-    </p:spTree>
-    <p:extLst>
-      <p:ext uri="{BB962C8B-B14F-4D97-AF65-F5344CB8AC3E}">
-        <p14:creationId xmlns:p14="http://schemas.microsoft.com/office/powerpoint/2010/main" val="29755779"/>
-      </p:ext>
-    </p:extLst>
-  </p:cSld>
-  <p:clrMapOvr>
-    <a:masterClrMapping/>
-  </p:clrMapOvr>
-</p:sld>
-</file>
-
-<file path=ppt/slides/slide4.xml><?xml version="1.0" encoding="utf-8"?>
-<p:sld xmlns:a="http://schemas.openxmlformats.org/drawingml/2006/main" xmlns:r="http://schemas.openxmlformats.org/officeDocument/2006/relationships" xmlns:p="http://schemas.openxmlformats.org/presentationml/2006/main">
-  <p:cSld>
-    <p:spTree>
-      <p:nvGrpSpPr>
-        <p:cNvPr id="1" name=""/>
-        <p:cNvGrpSpPr/>
-        <p:nvPr/>
-      </p:nvGrpSpPr>
-      <p:grpSpPr>
-        <a:xfrm>
-          <a:off x="0" y="0"/>
-          <a:ext cx="0" cy="0"/>
-          <a:chOff x="0" y="0"/>
-          <a:chExt cx="0" cy="0"/>
-        </a:xfrm>
-      </p:grpSpPr>
-      <p:sp>
-        <p:nvSpPr>
-          <p:cNvPr id="2" name="TextBox 1">
-            <a:extLst>
-              <a:ext uri="{FF2B5EF4-FFF2-40B4-BE49-F238E27FC236}">
-                <a16:creationId xmlns:a16="http://schemas.microsoft.com/office/drawing/2014/main" id="{520DAA8F-E69E-7128-C67E-AD7E0468D2DA}"/>
-              </a:ext>
-            </a:extLst>
-          </p:cNvPr>
-          <p:cNvSpPr txBox="1"/>
-          <p:nvPr/>
-        </p:nvSpPr>
-        <p:spPr>
-          <a:xfrm>
-            <a:off x="1001853" y="672101"/>
-            <a:ext cx="5544274" cy="461665"/>
-          </a:xfrm>
-          <a:prstGeom prst="rect">
-            <a:avLst/>
-          </a:prstGeom>
-          <a:noFill/>
-        </p:spPr>
-        <p:txBody>
-          <a:bodyPr wrap="square" rtlCol="0">
-            <a:spAutoFit/>
-          </a:bodyPr>
-          <a:lstStyle/>
-          <a:p>
-            <a:r>
-              <a:rPr lang="en-US" sz="2400" dirty="0"/>
-              <a:t>Past critique system</a:t>
-            </a:r>
-            <a:endParaRPr lang="en-IN" sz="2400" dirty="0"/>
-          </a:p>
-        </p:txBody>
-      </p:sp>
-      <p:sp>
-        <p:nvSpPr>
-          <p:cNvPr id="3" name="TextBox 2">
-            <a:extLst>
-              <a:ext uri="{FF2B5EF4-FFF2-40B4-BE49-F238E27FC236}">
-                <a16:creationId xmlns:a16="http://schemas.microsoft.com/office/drawing/2014/main" id="{C5F8816C-C966-610A-18E4-100466850EB9}"/>
-              </a:ext>
-            </a:extLst>
-          </p:cNvPr>
-          <p:cNvSpPr txBox="1"/>
-          <p:nvPr/>
-        </p:nvSpPr>
-        <p:spPr>
-          <a:xfrm>
-            <a:off x="992983" y="1435382"/>
-            <a:ext cx="10463514" cy="2031325"/>
-          </a:xfrm>
-          <a:prstGeom prst="rect">
-            <a:avLst/>
-          </a:prstGeom>
-          <a:noFill/>
-        </p:spPr>
-        <p:txBody>
-          <a:bodyPr wrap="square" rtlCol="0">
-            <a:spAutoFit/>
-          </a:bodyPr>
-          <a:lstStyle/>
-          <a:p>
-            <a:r>
-              <a:rPr lang="en-US" dirty="0"/>
-              <a:t>               Review systems were first employed to judge the quality of a product with numbers. At first they were successful at there task. </a:t>
-            </a:r>
-            <a:r>
-              <a:rPr lang="en-US" i="1" dirty="0"/>
-              <a:t>Making choice and judgement easy for consumer</a:t>
-            </a:r>
-            <a:r>
-              <a:rPr lang="en-US" dirty="0"/>
-              <a:t>.  But then they were used to review artistic products. But,</a:t>
-            </a:r>
-          </a:p>
-          <a:p>
-            <a:r>
-              <a:rPr lang="en-US" dirty="0"/>
-              <a:t>                                                                                 </a:t>
-            </a:r>
-            <a:r>
-              <a:rPr lang="en-US" b="1" dirty="0"/>
-              <a:t>“Art is subjective.”</a:t>
-            </a:r>
-          </a:p>
-          <a:p>
-            <a:endParaRPr lang="en-US" dirty="0"/>
-          </a:p>
-          <a:p>
-            <a:r>
-              <a:rPr lang="en-US" dirty="0"/>
-              <a:t>Art is so subjective that sometimes it’s better to not give a definitive score but rather an alphabet or a region.</a:t>
-            </a:r>
-          </a:p>
-          <a:p>
-            <a:r>
-              <a:rPr lang="en-US" dirty="0"/>
-              <a:t>But it does the job as past works were simple and mainly not as dominant and competitive as today. </a:t>
-            </a:r>
-          </a:p>
-        </p:txBody>
-      </p:sp>
-      <p:pic>
-        <p:nvPicPr>
-          <p:cNvPr id="1026" name="Picture 2" descr="Bell Curve in Performance Appraisal | Zimyo">
-            <a:extLst>
-              <a:ext uri="{FF2B5EF4-FFF2-40B4-BE49-F238E27FC236}">
-                <a16:creationId xmlns:a16="http://schemas.microsoft.com/office/drawing/2014/main" id="{33CFC079-D499-C81B-EC6A-FAF3CF2C5BBA}"/>
-              </a:ext>
-            </a:extLst>
-          </p:cNvPr>
-          <p:cNvPicPr>
-            <a:picLocks noChangeAspect="1" noChangeArrowheads="1"/>
-          </p:cNvPicPr>
-          <p:nvPr/>
-        </p:nvPicPr>
-        <p:blipFill rotWithShape="1">
-          <a:blip r:embed="rId2">
-            <a:extLst>
-              <a:ext uri="{28A0092B-C50C-407E-A947-70E740481C1C}">
-                <a14:useLocalDpi xmlns:a14="http://schemas.microsoft.com/office/drawing/2010/main" val="0"/>
-              </a:ext>
-            </a:extLst>
-          </a:blip>
-          <a:srcRect l="4919" t="11675" r="168" b="2529"/>
-          <a:stretch/>
-        </p:blipFill>
-        <p:spPr bwMode="auto">
-          <a:xfrm>
-            <a:off x="925804" y="3449320"/>
-            <a:ext cx="5281127" cy="3244719"/>
-          </a:xfrm>
-          <a:prstGeom prst="rect">
-            <a:avLst/>
-          </a:prstGeom>
-          <a:noFill/>
-          <a:extLst>
-            <a:ext uri="{909E8E84-426E-40DD-AFC4-6F175D3DCCD1}">
-              <a14:hiddenFill xmlns:a14="http://schemas.microsoft.com/office/drawing/2010/main">
-                <a:solidFill>
-                  <a:srgbClr val="FFFFFF"/>
-                </a:solidFill>
-              </a14:hiddenFill>
-            </a:ext>
-          </a:extLst>
-        </p:spPr>
-      </p:pic>
-      <p:sp>
-        <p:nvSpPr>
-          <p:cNvPr id="4" name="TextBox 3">
-            <a:extLst>
-              <a:ext uri="{FF2B5EF4-FFF2-40B4-BE49-F238E27FC236}">
-                <a16:creationId xmlns:a16="http://schemas.microsoft.com/office/drawing/2014/main" id="{45588C30-AF3F-3362-4B9F-6FBCC72861B4}"/>
-              </a:ext>
-            </a:extLst>
-          </p:cNvPr>
-          <p:cNvSpPr txBox="1"/>
-          <p:nvPr/>
-        </p:nvSpPr>
-        <p:spPr>
-          <a:xfrm>
-            <a:off x="6781903" y="4531604"/>
-            <a:ext cx="4478694" cy="1077218"/>
-          </a:xfrm>
-          <a:prstGeom prst="rect">
-            <a:avLst/>
-          </a:prstGeom>
-          <a:noFill/>
-        </p:spPr>
-        <p:txBody>
-          <a:bodyPr wrap="square" rtlCol="0">
-            <a:spAutoFit/>
-          </a:bodyPr>
-          <a:lstStyle/>
-          <a:p>
-            <a:r>
-              <a:rPr lang="en-IN" sz="1600" i="1" dirty="0"/>
-              <a:t>This review distribution is perfect for Products as its elegance lies with its </a:t>
-            </a:r>
-            <a:r>
-              <a:rPr lang="en-IN" sz="1600" b="1" i="1" dirty="0"/>
-              <a:t>context interpretation</a:t>
-            </a:r>
-            <a:r>
-              <a:rPr lang="en-IN" sz="1600" i="1" dirty="0"/>
-              <a:t>. A three star is not too bad and not too good, it meets average criteria/ expectations.</a:t>
-            </a:r>
-          </a:p>
-        </p:txBody>
-      </p:sp>
-    </p:spTree>
-    <p:extLst>
-      <p:ext uri="{BB962C8B-B14F-4D97-AF65-F5344CB8AC3E}">
-        <p14:creationId xmlns:p14="http://schemas.microsoft.com/office/powerpoint/2010/main" val="1739614673"/>
-      </p:ext>
-    </p:extLst>
-  </p:cSld>
-  <p:clrMapOvr>
-    <a:masterClrMapping/>
-  </p:clrMapOvr>
-</p:sld>
-</file>
-
-<file path=ppt/slides/slide5.xml><?xml version="1.0" encoding="utf-8"?>
-<p:sld xmlns:a="http://schemas.openxmlformats.org/drawingml/2006/main" xmlns:r="http://schemas.openxmlformats.org/officeDocument/2006/relationships" xmlns:p="http://schemas.openxmlformats.org/presentationml/2006/main">
-  <p:cSld>
-    <p:spTree>
-      <p:nvGrpSpPr>
-        <p:cNvPr id="1" name=""/>
-        <p:cNvGrpSpPr/>
-        <p:nvPr/>
-      </p:nvGrpSpPr>
-      <p:grpSpPr>
-        <a:xfrm>
-          <a:off x="0" y="0"/>
-          <a:ext cx="0" cy="0"/>
-          <a:chOff x="0" y="0"/>
-          <a:chExt cx="0" cy="0"/>
-        </a:xfrm>
-      </p:grpSpPr>
-      <p:sp>
-        <p:nvSpPr>
-          <p:cNvPr id="2" name="TextBox 1">
-            <a:extLst>
-              <a:ext uri="{FF2B5EF4-FFF2-40B4-BE49-F238E27FC236}">
-                <a16:creationId xmlns:a16="http://schemas.microsoft.com/office/drawing/2014/main" id="{DDB14A61-028D-74D7-291D-0EEE553693E5}"/>
-              </a:ext>
-            </a:extLst>
-          </p:cNvPr>
-          <p:cNvSpPr txBox="1"/>
-          <p:nvPr/>
-        </p:nvSpPr>
-        <p:spPr>
-          <a:xfrm>
-            <a:off x="1001853" y="636093"/>
-            <a:ext cx="5544274" cy="461665"/>
-          </a:xfrm>
-          <a:prstGeom prst="rect">
-            <a:avLst/>
-          </a:prstGeom>
-          <a:noFill/>
-        </p:spPr>
-        <p:txBody>
-          <a:bodyPr wrap="square" rtlCol="0">
-            <a:spAutoFit/>
-          </a:bodyPr>
-          <a:lstStyle/>
-          <a:p>
-            <a:r>
-              <a:rPr lang="en-US" sz="2400" dirty="0"/>
-              <a:t>Modern critique system</a:t>
-            </a:r>
-            <a:endParaRPr lang="en-IN" sz="2400" dirty="0"/>
-          </a:p>
-        </p:txBody>
-      </p:sp>
-      <p:sp>
-        <p:nvSpPr>
-          <p:cNvPr id="4" name="TextBox 3" hidden="1">
-            <a:extLst>
-              <a:ext uri="{FF2B5EF4-FFF2-40B4-BE49-F238E27FC236}">
-                <a16:creationId xmlns:a16="http://schemas.microsoft.com/office/drawing/2014/main" id="{8308433C-C9B7-F281-E16B-20A73082B459}"/>
-              </a:ext>
-            </a:extLst>
-          </p:cNvPr>
-          <p:cNvSpPr txBox="1"/>
-          <p:nvPr/>
-        </p:nvSpPr>
-        <p:spPr>
-          <a:xfrm>
-            <a:off x="727788" y="1642188"/>
-            <a:ext cx="10823510" cy="2062103"/>
-          </a:xfrm>
-          <a:prstGeom prst="rect">
-            <a:avLst/>
-          </a:prstGeom>
-          <a:noFill/>
-        </p:spPr>
-        <p:txBody>
-          <a:bodyPr wrap="square" rtlCol="0">
-            <a:spAutoFit/>
-          </a:bodyPr>
-          <a:lstStyle/>
-          <a:p>
-            <a:pPr marL="0" marR="0">
-              <a:spcBef>
-                <a:spcPts val="0"/>
-              </a:spcBef>
-              <a:spcAft>
-                <a:spcPts val="0"/>
-              </a:spcAft>
-            </a:pPr>
-            <a:r>
-              <a:rPr lang="en-US" sz="1600" dirty="0">
-                <a:effectLst/>
-                <a:latin typeface="Calibri" panose="020F0502020204030204" pitchFamily="34" charset="0"/>
-              </a:rPr>
-              <a:t>Metacritic is a well know website known for its review of entertainment media. It rates films, video games, book(?) and many more I have no interest in. It's scores 'the product' with a rating </a:t>
-            </a:r>
-            <a:r>
-              <a:rPr lang="en-US" sz="1600" dirty="0" err="1">
-                <a:effectLst/>
-                <a:latin typeface="Calibri" panose="020F0502020204030204" pitchFamily="34" charset="0"/>
-              </a:rPr>
-              <a:t>i</a:t>
-            </a:r>
-            <a:r>
-              <a:rPr lang="en-US" sz="1600" dirty="0">
-                <a:effectLst/>
-                <a:latin typeface="Calibri" panose="020F0502020204030204" pitchFamily="34" charset="0"/>
-              </a:rPr>
-              <a:t> against 100. Then based on </a:t>
-            </a:r>
-            <a:r>
-              <a:rPr lang="en-US" sz="1600" dirty="0" err="1">
-                <a:effectLst/>
-                <a:latin typeface="Calibri" panose="020F0502020204030204" pitchFamily="34" charset="0"/>
-              </a:rPr>
-              <a:t>i</a:t>
-            </a:r>
-            <a:r>
-              <a:rPr lang="en-US" sz="1600" dirty="0">
-                <a:effectLst/>
-                <a:latin typeface="Calibri" panose="020F0502020204030204" pitchFamily="34" charset="0"/>
-              </a:rPr>
-              <a:t> , and which predetermined region (for games and films it's different) it falls into as </a:t>
-            </a:r>
-          </a:p>
-          <a:p>
-            <a:pPr marL="0" marR="0">
-              <a:spcBef>
-                <a:spcPts val="0"/>
-              </a:spcBef>
-              <a:spcAft>
-                <a:spcPts val="0"/>
-              </a:spcAft>
-            </a:pPr>
-            <a:r>
-              <a:rPr lang="en-US" sz="1600" dirty="0">
-                <a:effectLst/>
-                <a:latin typeface="Calibri" panose="020F0502020204030204" pitchFamily="34" charset="0"/>
-              </a:rPr>
-              <a:t>                              "Universally Acclaimed : 100 - 90 games, 100-81 other"</a:t>
-            </a:r>
-          </a:p>
-          <a:p>
-            <a:pPr marL="1371600" marR="0">
-              <a:spcBef>
-                <a:spcPts val="0"/>
-              </a:spcBef>
-              <a:spcAft>
-                <a:spcPts val="0"/>
-              </a:spcAft>
-            </a:pPr>
-            <a:r>
-              <a:rPr lang="en-US" sz="1600" dirty="0">
-                <a:effectLst/>
-                <a:latin typeface="Calibri" panose="020F0502020204030204" pitchFamily="34" charset="0"/>
-              </a:rPr>
-              <a:t>"Generally favorable : 89-75 games, 80-61 others"</a:t>
-            </a:r>
-            <a:br>
-              <a:rPr lang="en-US" sz="1600" dirty="0">
-                <a:effectLst/>
-                <a:latin typeface="Calibri" panose="020F0502020204030204" pitchFamily="34" charset="0"/>
-              </a:rPr>
-            </a:br>
-            <a:r>
-              <a:rPr lang="en-US" sz="1600" dirty="0">
-                <a:effectLst/>
-                <a:latin typeface="Calibri" panose="020F0502020204030204" pitchFamily="34" charset="0"/>
-              </a:rPr>
-              <a:t>"Mixed reception : 74-50 games, 60-40 others"</a:t>
-            </a:r>
-            <a:br>
-              <a:rPr lang="en-US" sz="1600" dirty="0">
-                <a:effectLst/>
-                <a:latin typeface="Calibri" panose="020F0502020204030204" pitchFamily="34" charset="0"/>
-              </a:rPr>
-            </a:br>
-            <a:r>
-              <a:rPr lang="en-US" sz="1600" dirty="0">
-                <a:effectLst/>
-                <a:latin typeface="Calibri" panose="020F0502020204030204" pitchFamily="34" charset="0"/>
-              </a:rPr>
-              <a:t>"Generally Unfavorable : 49-20 games, 39-20 others"</a:t>
-            </a:r>
-            <a:br>
-              <a:rPr lang="en-US" sz="1600" dirty="0">
-                <a:effectLst/>
-                <a:latin typeface="Calibri" panose="020F0502020204030204" pitchFamily="34" charset="0"/>
-              </a:rPr>
-            </a:br>
-            <a:r>
-              <a:rPr lang="en-US" sz="1600" dirty="0">
-                <a:effectLst/>
-                <a:latin typeface="Calibri" panose="020F0502020204030204" pitchFamily="34" charset="0"/>
-              </a:rPr>
-              <a:t>"Overwhelming Dislike :19-0 for all"</a:t>
-            </a:r>
-          </a:p>
-        </p:txBody>
-      </p:sp>
-      <p:pic>
-        <p:nvPicPr>
-          <p:cNvPr id="1026" name="Picture 2" descr="OY6-02GDtcQxYXXNlOfW5lXjbJqIpaZzGXma">
-            <a:extLst>
-              <a:ext uri="{FF2B5EF4-FFF2-40B4-BE49-F238E27FC236}">
-                <a16:creationId xmlns:a16="http://schemas.microsoft.com/office/drawing/2014/main" id="{31DB08BC-2E24-12A4-2BD2-D72B531DE8AE}"/>
-              </a:ext>
-            </a:extLst>
-          </p:cNvPr>
-          <p:cNvPicPr>
-            <a:picLocks noChangeAspect="1" noChangeArrowheads="1"/>
-          </p:cNvPicPr>
-          <p:nvPr/>
-        </p:nvPicPr>
-        <p:blipFill rotWithShape="1">
-          <a:blip r:embed="rId2">
-            <a:extLst>
-              <a:ext uri="{28A0092B-C50C-407E-A947-70E740481C1C}">
-                <a14:useLocalDpi xmlns:a14="http://schemas.microsoft.com/office/drawing/2010/main" val="0"/>
-              </a:ext>
-            </a:extLst>
-          </a:blip>
-          <a:srcRect l="48857" t="50000" b="5628"/>
-          <a:stretch/>
-        </p:blipFill>
-        <p:spPr bwMode="auto">
-          <a:xfrm>
-            <a:off x="6743959" y="3401604"/>
-            <a:ext cx="4404049" cy="2894441"/>
-          </a:xfrm>
-          <a:prstGeom prst="rect">
-            <a:avLst/>
-          </a:prstGeom>
-          <a:noFill/>
-          <a:extLst>
-            <a:ext uri="{909E8E84-426E-40DD-AFC4-6F175D3DCCD1}">
-              <a14:hiddenFill xmlns:a14="http://schemas.microsoft.com/office/drawing/2010/main">
-                <a:solidFill>
-                  <a:srgbClr val="FFFFFF"/>
-                </a:solidFill>
-              </a14:hiddenFill>
-            </a:ext>
-          </a:extLst>
-        </p:spPr>
-      </p:pic>
-      <p:sp>
-        <p:nvSpPr>
-          <p:cNvPr id="5" name="TextBox 4">
-            <a:extLst>
-              <a:ext uri="{FF2B5EF4-FFF2-40B4-BE49-F238E27FC236}">
-                <a16:creationId xmlns:a16="http://schemas.microsoft.com/office/drawing/2014/main" id="{620FD19F-DCEA-F62F-5A07-4C25DA4F50FE}"/>
-              </a:ext>
-            </a:extLst>
-          </p:cNvPr>
-          <p:cNvSpPr txBox="1"/>
-          <p:nvPr/>
-        </p:nvSpPr>
-        <p:spPr>
-          <a:xfrm>
-            <a:off x="969117" y="1253623"/>
-            <a:ext cx="9713167" cy="1708160"/>
-          </a:xfrm>
-          <a:prstGeom prst="rect">
-            <a:avLst/>
-          </a:prstGeom>
-          <a:noFill/>
-        </p:spPr>
-        <p:txBody>
-          <a:bodyPr wrap="square" rtlCol="0">
-            <a:spAutoFit/>
-          </a:bodyPr>
-          <a:lstStyle/>
-          <a:p>
-            <a:r>
-              <a:rPr lang="en-US" sz="1600" b="0" i="0" dirty="0">
-                <a:solidFill>
-                  <a:srgbClr val="0A0A23"/>
-                </a:solidFill>
-                <a:effectLst/>
-                <a:latin typeface="Lato" panose="020F0502020204030203" pitchFamily="34" charset="0"/>
-              </a:rPr>
-              <a:t>Rotten Tomatoes Case study</a:t>
-            </a:r>
-          </a:p>
-          <a:p>
-            <a:endParaRPr lang="en-US" sz="1400" b="0" i="0" dirty="0">
-              <a:solidFill>
-                <a:srgbClr val="0A0A23"/>
-              </a:solidFill>
-              <a:effectLst/>
-              <a:latin typeface="Lato" panose="020F0502020204030203" pitchFamily="34" charset="0"/>
-            </a:endParaRPr>
-          </a:p>
-          <a:p>
-            <a:r>
-              <a:rPr lang="en-US" sz="1500" b="0" i="0" dirty="0">
-                <a:solidFill>
-                  <a:srgbClr val="0A0A23"/>
-                </a:solidFill>
-                <a:effectLst/>
-                <a:latin typeface="Calibri" panose="020F0502020204030204" pitchFamily="34" charset="0"/>
-                <a:ea typeface="Calibri" panose="020F0502020204030204" pitchFamily="34" charset="0"/>
-                <a:cs typeface="Calibri" panose="020F0502020204030204" pitchFamily="34" charset="0"/>
-              </a:rPr>
-              <a:t>This distribution is not easy to interpret in context, because the tomatometer it’s not a classical rating, but rather represents the percentage of critics who gave a positive review to a movie. Anyway, I guess it should still boil down to the same normal distribution, with most of the movies having a moderate difference between the number of positive reviews and the negative ones (</a:t>
-            </a:r>
-            <a:r>
-              <a:rPr lang="en-US" sz="1500" b="1" i="0" dirty="0">
-                <a:solidFill>
-                  <a:srgbClr val="0A0A23"/>
-                </a:solidFill>
-                <a:effectLst/>
-                <a:latin typeface="Calibri" panose="020F0502020204030204" pitchFamily="34" charset="0"/>
-                <a:ea typeface="Calibri" panose="020F0502020204030204" pitchFamily="34" charset="0"/>
-                <a:cs typeface="Calibri" panose="020F0502020204030204" pitchFamily="34" charset="0"/>
-              </a:rPr>
-              <a:t>rendering many ratings of 30% — 70% positive reviews</a:t>
-            </a:r>
-            <a:r>
-              <a:rPr lang="en-US" sz="1500" b="0" i="0" dirty="0">
-                <a:solidFill>
-                  <a:srgbClr val="0A0A23"/>
-                </a:solidFill>
-                <a:effectLst/>
-                <a:latin typeface="Calibri" panose="020F0502020204030204" pitchFamily="34" charset="0"/>
-                <a:ea typeface="Calibri" panose="020F0502020204030204" pitchFamily="34" charset="0"/>
-                <a:cs typeface="Calibri" panose="020F0502020204030204" pitchFamily="34" charset="0"/>
-              </a:rPr>
-              <a:t>), and a few movies having a significantly bigger difference, in one way or the other.</a:t>
-            </a:r>
-            <a:endParaRPr lang="en-IN" sz="1500" dirty="0">
-              <a:latin typeface="Calibri" panose="020F0502020204030204" pitchFamily="34" charset="0"/>
-              <a:ea typeface="Calibri" panose="020F0502020204030204" pitchFamily="34" charset="0"/>
-              <a:cs typeface="Calibri" panose="020F0502020204030204" pitchFamily="34" charset="0"/>
-            </a:endParaRPr>
-          </a:p>
-        </p:txBody>
-      </p:sp>
-      <p:sp>
-        <p:nvSpPr>
-          <p:cNvPr id="7" name="TextBox 6">
-            <a:extLst>
-              <a:ext uri="{FF2B5EF4-FFF2-40B4-BE49-F238E27FC236}">
-                <a16:creationId xmlns:a16="http://schemas.microsoft.com/office/drawing/2014/main" id="{356B18CF-1005-DEA9-E3E2-740E60787C2C}"/>
-              </a:ext>
-            </a:extLst>
-          </p:cNvPr>
-          <p:cNvSpPr txBox="1"/>
-          <p:nvPr/>
-        </p:nvSpPr>
-        <p:spPr>
-          <a:xfrm>
-            <a:off x="969117" y="4720536"/>
-            <a:ext cx="5495730" cy="1077218"/>
-          </a:xfrm>
-          <a:prstGeom prst="rect">
-            <a:avLst/>
-          </a:prstGeom>
-          <a:noFill/>
-        </p:spPr>
-        <p:txBody>
-          <a:bodyPr wrap="square" rtlCol="0">
-            <a:spAutoFit/>
-          </a:bodyPr>
-          <a:lstStyle/>
-          <a:p>
-            <a:r>
-              <a:rPr lang="en-US" sz="1600" b="0" i="1" dirty="0">
-                <a:solidFill>
-                  <a:srgbClr val="0A0A23"/>
-                </a:solidFill>
-                <a:effectLst/>
-                <a:latin typeface="Calibri" panose="020F0502020204030204" pitchFamily="34" charset="0"/>
-                <a:ea typeface="Calibri" panose="020F0502020204030204" pitchFamily="34" charset="0"/>
-                <a:cs typeface="Calibri" panose="020F0502020204030204" pitchFamily="34" charset="0"/>
-              </a:rPr>
-              <a:t>the tomatometer’s distribution is unexpectedly uniform, and would look even flatter under a different binning strategy (a binning strategy is defined by the total number of bars and their ranges)</a:t>
-            </a:r>
-            <a:endParaRPr lang="en-IN" sz="1600" i="1" dirty="0">
-              <a:latin typeface="Calibri" panose="020F0502020204030204" pitchFamily="34" charset="0"/>
-              <a:ea typeface="Calibri" panose="020F0502020204030204" pitchFamily="34" charset="0"/>
-              <a:cs typeface="Calibri" panose="020F0502020204030204" pitchFamily="34" charset="0"/>
-            </a:endParaRPr>
-          </a:p>
-        </p:txBody>
-      </p:sp>
-      <p:sp>
-        <p:nvSpPr>
-          <p:cNvPr id="8" name="TextBox 7">
-            <a:extLst>
-              <a:ext uri="{FF2B5EF4-FFF2-40B4-BE49-F238E27FC236}">
-                <a16:creationId xmlns:a16="http://schemas.microsoft.com/office/drawing/2014/main" id="{00E9FCC7-97E7-65F0-66E3-1B8855FB740B}"/>
-              </a:ext>
-            </a:extLst>
-          </p:cNvPr>
-          <p:cNvSpPr txBox="1"/>
-          <p:nvPr/>
-        </p:nvSpPr>
-        <p:spPr>
-          <a:xfrm>
-            <a:off x="959994" y="3200403"/>
-            <a:ext cx="5077742" cy="1154162"/>
-          </a:xfrm>
-          <a:prstGeom prst="rect">
-            <a:avLst/>
-          </a:prstGeom>
-          <a:noFill/>
-        </p:spPr>
-        <p:txBody>
-          <a:bodyPr wrap="square" rtlCol="0">
-            <a:spAutoFit/>
-          </a:bodyPr>
-          <a:lstStyle/>
-          <a:p>
-            <a:pPr marL="342900" indent="-342900">
-              <a:buFont typeface="+mj-lt"/>
-              <a:buAutoNum type="arabicPeriod"/>
-            </a:pPr>
-            <a:r>
-              <a:rPr lang="en-IN" sz="1400" dirty="0"/>
-              <a:t>The context interpretation is ruined. A 75% rated product is average due to increasing bar of average criteria/ expectations.</a:t>
-            </a:r>
-          </a:p>
-          <a:p>
-            <a:pPr marL="342900" indent="-342900">
-              <a:buFont typeface="+mj-lt"/>
-              <a:buAutoNum type="arabicPeriod"/>
-            </a:pPr>
-            <a:endParaRPr lang="en-IN" sz="1300" b="1" dirty="0"/>
-          </a:p>
-          <a:p>
-            <a:pPr marL="342900" indent="-342900">
-              <a:buFont typeface="+mj-lt"/>
-              <a:buAutoNum type="arabicPeriod"/>
-            </a:pPr>
-            <a:r>
-              <a:rPr lang="en-IN" sz="1400" b="1" dirty="0"/>
-              <a:t>This system</a:t>
-            </a:r>
-            <a:r>
-              <a:rPr lang="en-US" sz="1400" b="1" dirty="0">
-                <a:solidFill>
-                  <a:srgbClr val="0A0A23"/>
-                </a:solidFill>
-                <a:effectLst/>
-              </a:rPr>
-              <a:t> is unfit for the bad-average-good qualitative framework, because it makes movies either good, either bad.</a:t>
-            </a:r>
-            <a:r>
-              <a:rPr lang="en-US" sz="1400" b="0" i="0" dirty="0">
-                <a:solidFill>
-                  <a:srgbClr val="0A0A23"/>
-                </a:solidFill>
-                <a:effectLst/>
-              </a:rPr>
-              <a:t> </a:t>
-            </a:r>
-            <a:endParaRPr lang="en-IN" sz="1400" dirty="0"/>
-          </a:p>
-        </p:txBody>
-      </p:sp>
-      <p:sp>
-        <p:nvSpPr>
-          <p:cNvPr id="9" name="TextBox 8">
-            <a:extLst>
-              <a:ext uri="{FF2B5EF4-FFF2-40B4-BE49-F238E27FC236}">
-                <a16:creationId xmlns:a16="http://schemas.microsoft.com/office/drawing/2014/main" id="{125D1F97-B267-7E31-91EA-6C27F40FBF19}"/>
-              </a:ext>
-            </a:extLst>
-          </p:cNvPr>
-          <p:cNvSpPr txBox="1"/>
-          <p:nvPr/>
-        </p:nvSpPr>
-        <p:spPr>
-          <a:xfrm>
-            <a:off x="6357879" y="6311696"/>
-            <a:ext cx="5430416" cy="261610"/>
-          </a:xfrm>
-          <a:prstGeom prst="rect">
-            <a:avLst/>
-          </a:prstGeom>
-          <a:noFill/>
-        </p:spPr>
-        <p:txBody>
-          <a:bodyPr wrap="square" rtlCol="0">
-            <a:spAutoFit/>
-          </a:bodyPr>
-          <a:lstStyle/>
-          <a:p>
-            <a:r>
-              <a:rPr lang="en-IN" sz="1100" i="1" dirty="0"/>
-              <a:t>Note: Can show more case study with more specific problems and examples but not here.</a:t>
-            </a:r>
-          </a:p>
-        </p:txBody>
-      </p:sp>
-      <p:sp>
-        <p:nvSpPr>
-          <p:cNvPr id="3" name="TextBox 2">
-            <a:extLst>
-              <a:ext uri="{FF2B5EF4-FFF2-40B4-BE49-F238E27FC236}">
-                <a16:creationId xmlns:a16="http://schemas.microsoft.com/office/drawing/2014/main" id="{9E873F3B-4EB2-82A3-8179-D966C6BCEC7A}"/>
-              </a:ext>
-            </a:extLst>
-          </p:cNvPr>
-          <p:cNvSpPr txBox="1"/>
-          <p:nvPr/>
-        </p:nvSpPr>
-        <p:spPr>
-          <a:xfrm>
-            <a:off x="1250302" y="5990253"/>
-            <a:ext cx="3676261" cy="369332"/>
-          </a:xfrm>
-          <a:prstGeom prst="rect">
-            <a:avLst/>
-          </a:prstGeom>
-          <a:noFill/>
-        </p:spPr>
-        <p:txBody>
-          <a:bodyPr wrap="square" rtlCol="0">
-            <a:spAutoFit/>
-          </a:bodyPr>
-          <a:lstStyle/>
-          <a:p>
-            <a:r>
-              <a:rPr lang="en-US" dirty="0"/>
-              <a:t>Problem statement</a:t>
-            </a:r>
-            <a:endParaRPr lang="en-IN" dirty="0"/>
-          </a:p>
-        </p:txBody>
-      </p:sp>
-      <p:cxnSp>
-        <p:nvCxnSpPr>
-          <p:cNvPr id="10" name="Connector: Curved 9">
-            <a:extLst>
-              <a:ext uri="{FF2B5EF4-FFF2-40B4-BE49-F238E27FC236}">
-                <a16:creationId xmlns:a16="http://schemas.microsoft.com/office/drawing/2014/main" id="{ACF9A308-8F61-9EFA-3886-1F31A2D27905}"/>
-              </a:ext>
-            </a:extLst>
-          </p:cNvPr>
-          <p:cNvCxnSpPr>
-            <a:stCxn id="8" idx="1"/>
-            <a:endCxn id="3" idx="1"/>
-          </p:cNvCxnSpPr>
-          <p:nvPr/>
-        </p:nvCxnSpPr>
-        <p:spPr>
-          <a:xfrm rot="10800000" flipH="1" flipV="1">
-            <a:off x="959994" y="3777483"/>
-            <a:ext cx="290308" cy="2397435"/>
-          </a:xfrm>
-          <a:prstGeom prst="curvedConnector3">
-            <a:avLst>
-              <a:gd name="adj1" fmla="val -220162"/>
-            </a:avLst>
-          </a:prstGeom>
-          <a:ln w="19050">
-            <a:solidFill>
-              <a:schemeClr val="tx1">
-                <a:lumMod val="95000"/>
-                <a:lumOff val="5000"/>
-              </a:schemeClr>
-            </a:solidFill>
-            <a:tailEnd type="triangle"/>
-          </a:ln>
-        </p:spPr>
-        <p:style>
-          <a:lnRef idx="1">
-            <a:schemeClr val="accent1"/>
-          </a:lnRef>
-          <a:fillRef idx="0">
-            <a:schemeClr val="accent1"/>
-          </a:fillRef>
-          <a:effectRef idx="0">
-            <a:schemeClr val="accent1"/>
-          </a:effectRef>
-          <a:fontRef idx="minor">
-            <a:schemeClr val="tx1"/>
-          </a:fontRef>
-        </p:style>
-      </p:cxnSp>
-    </p:spTree>
-    <p:extLst>
-      <p:ext uri="{BB962C8B-B14F-4D97-AF65-F5344CB8AC3E}">
-        <p14:creationId xmlns:p14="http://schemas.microsoft.com/office/powerpoint/2010/main" val="294697685"/>
-      </p:ext>
-    </p:extLst>
-  </p:cSld>
-  <p:clrMapOvr>
-    <a:masterClrMapping/>
-  </p:clrMapOvr>
-</p:sld>
-</file>
-
-<file path=ppt/slides/slide6.xml><?xml version="1.0" encoding="utf-8"?>
-<p:sld xmlns:a="http://schemas.openxmlformats.org/drawingml/2006/main" xmlns:r="http://schemas.openxmlformats.org/officeDocument/2006/relationships" xmlns:p="http://schemas.openxmlformats.org/presentationml/2006/main">
-  <p:cSld>
-    <p:spTree>
-      <p:nvGrpSpPr>
-        <p:cNvPr id="1" name=""/>
-        <p:cNvGrpSpPr/>
-        <p:nvPr/>
-      </p:nvGrpSpPr>
-      <p:grpSpPr>
-        <a:xfrm>
-          <a:off x="0" y="0"/>
-          <a:ext cx="0" cy="0"/>
-          <a:chOff x="0" y="0"/>
-          <a:chExt cx="0" cy="0"/>
-        </a:xfrm>
-      </p:grpSpPr>
-      <p:sp>
-        <p:nvSpPr>
-          <p:cNvPr id="2" name="TextBox 1">
-            <a:extLst>
-              <a:ext uri="{FF2B5EF4-FFF2-40B4-BE49-F238E27FC236}">
-                <a16:creationId xmlns:a16="http://schemas.microsoft.com/office/drawing/2014/main" id="{0D002345-A576-0160-5D77-EC6F17979DC3}"/>
-              </a:ext>
-            </a:extLst>
-          </p:cNvPr>
-          <p:cNvSpPr txBox="1"/>
-          <p:nvPr/>
-        </p:nvSpPr>
-        <p:spPr>
-          <a:xfrm>
-            <a:off x="969969" y="700658"/>
-            <a:ext cx="3657600" cy="461665"/>
-          </a:xfrm>
-          <a:prstGeom prst="rect">
-            <a:avLst/>
-          </a:prstGeom>
-          <a:noFill/>
-        </p:spPr>
-        <p:txBody>
-          <a:bodyPr wrap="square" rtlCol="0">
-            <a:spAutoFit/>
-          </a:bodyPr>
-          <a:lstStyle/>
-          <a:p>
-            <a:r>
-              <a:rPr lang="en-IN" sz="2400" dirty="0"/>
-              <a:t>Problems</a:t>
-            </a:r>
-          </a:p>
-        </p:txBody>
-      </p:sp>
-      <p:sp>
-        <p:nvSpPr>
-          <p:cNvPr id="3" name="TextBox 2">
-            <a:extLst>
-              <a:ext uri="{FF2B5EF4-FFF2-40B4-BE49-F238E27FC236}">
-                <a16:creationId xmlns:a16="http://schemas.microsoft.com/office/drawing/2014/main" id="{6466B596-49D7-FF51-9712-0BA909D26E8E}"/>
-              </a:ext>
-            </a:extLst>
-          </p:cNvPr>
-          <p:cNvSpPr txBox="1"/>
-          <p:nvPr/>
-        </p:nvSpPr>
-        <p:spPr>
-          <a:xfrm>
-            <a:off x="969969" y="1162323"/>
-            <a:ext cx="10077060" cy="1754326"/>
-          </a:xfrm>
-          <a:prstGeom prst="rect">
-            <a:avLst/>
-          </a:prstGeom>
-          <a:noFill/>
-        </p:spPr>
-        <p:txBody>
-          <a:bodyPr wrap="square" rtlCol="0">
-            <a:spAutoFit/>
-          </a:bodyPr>
-          <a:lstStyle/>
-          <a:p>
-            <a:r>
-              <a:rPr lang="en-IN" sz="1800" dirty="0">
-                <a:effectLst/>
-                <a:latin typeface="Calibri" panose="020F0502020204030204" pitchFamily="34" charset="0"/>
-              </a:rPr>
-              <a:t> 1. No clear difference between Intrinsic and extrinsic reviewing.</a:t>
-            </a:r>
-          </a:p>
-          <a:p>
-            <a:r>
-              <a:rPr lang="en-IN" sz="1800" dirty="0">
-                <a:effectLst/>
-                <a:latin typeface="Calibri" panose="020F0502020204030204" pitchFamily="34" charset="0"/>
-              </a:rPr>
-              <a:t> 2. Inconsistence in rating two products.(retrospective problem)</a:t>
-            </a:r>
-            <a:endParaRPr lang="en-IN" dirty="0">
-              <a:latin typeface="Calibri" panose="020F0502020204030204" pitchFamily="34" charset="0"/>
-            </a:endParaRPr>
-          </a:p>
-          <a:p>
-            <a:r>
-              <a:rPr lang="en-IN" sz="1800" dirty="0">
-                <a:effectLst/>
-                <a:latin typeface="Calibri" panose="020F0502020204030204" pitchFamily="34" charset="0"/>
-              </a:rPr>
-              <a:t> 3. </a:t>
-            </a:r>
-            <a:r>
-              <a:rPr lang="en-IN" dirty="0">
-                <a:latin typeface="Calibri" panose="020F0502020204030204" pitchFamily="34" charset="0"/>
-              </a:rPr>
-              <a:t>I</a:t>
-            </a:r>
-            <a:r>
-              <a:rPr lang="en-IN" sz="1800" dirty="0">
-                <a:effectLst/>
-                <a:latin typeface="Calibri" panose="020F0502020204030204" pitchFamily="34" charset="0"/>
-              </a:rPr>
-              <a:t>nflated median that increase over time leading good-average-bad system  </a:t>
-            </a:r>
-          </a:p>
-          <a:p>
-            <a:r>
-              <a:rPr lang="en-IN" dirty="0">
-                <a:latin typeface="Calibri" panose="020F0502020204030204" pitchFamily="34" charset="0"/>
-              </a:rPr>
-              <a:t>      </a:t>
-            </a:r>
-            <a:r>
-              <a:rPr lang="en-IN" sz="1800" dirty="0">
-                <a:effectLst/>
-                <a:latin typeface="Calibri" panose="020F0502020204030204" pitchFamily="34" charset="0"/>
-              </a:rPr>
-              <a:t>to good-bad.</a:t>
-            </a:r>
-          </a:p>
-          <a:p>
-            <a:r>
-              <a:rPr lang="en-IN" sz="1800" dirty="0">
-                <a:effectLst/>
-                <a:latin typeface="Calibri" panose="020F0502020204030204" pitchFamily="34" charset="0"/>
-              </a:rPr>
-              <a:t> 4. Over competition leading to overshadowing of unique and original which    </a:t>
-            </a:r>
-          </a:p>
-          <a:p>
-            <a:r>
-              <a:rPr lang="en-IN" sz="1800" dirty="0">
-                <a:effectLst/>
-                <a:latin typeface="Calibri" panose="020F0502020204030204" pitchFamily="34" charset="0"/>
-              </a:rPr>
-              <a:t>     are never heard</a:t>
-            </a:r>
-            <a:endParaRPr lang="en-IN" sz="1400" dirty="0"/>
-          </a:p>
-        </p:txBody>
-      </p:sp>
-      <p:pic>
-        <p:nvPicPr>
-          <p:cNvPr id="1026" name="Picture 2" descr="Gaming Review Scores Old Vs New : r/pcmasterrace">
-            <a:extLst>
-              <a:ext uri="{FF2B5EF4-FFF2-40B4-BE49-F238E27FC236}">
-                <a16:creationId xmlns:a16="http://schemas.microsoft.com/office/drawing/2014/main" id="{7D9B46E4-C5B8-FB22-322E-ACC7BE8C3AB6}"/>
-              </a:ext>
-            </a:extLst>
-          </p:cNvPr>
-          <p:cNvPicPr>
-            <a:picLocks noChangeAspect="1" noChangeArrowheads="1"/>
-          </p:cNvPicPr>
-          <p:nvPr/>
-        </p:nvPicPr>
-        <p:blipFill>
-          <a:blip r:embed="rId2">
-            <a:extLst>
-              <a:ext uri="{BEBA8EAE-BF5A-486C-A8C5-ECC9F3942E4B}">
-                <a14:imgProps xmlns:a14="http://schemas.microsoft.com/office/drawing/2010/main">
-                  <a14:imgLayer r:embed="rId3">
-                    <a14:imgEffect>
-                      <a14:backgroundRemoval t="218" b="98803" l="112" r="99104">
-                        <a14:foregroundMark x1="112" y1="7399" x2="9406" y2="12187"/>
-                        <a14:foregroundMark x1="9406" y1="12187" x2="24692" y2="9684"/>
-                        <a14:foregroundMark x1="24692" y1="9684" x2="57447" y2="20022"/>
-                        <a14:foregroundMark x1="57447" y1="20022" x2="82811" y2="12949"/>
-                        <a14:foregroundMark x1="82811" y1="12949" x2="92217" y2="23069"/>
-                        <a14:foregroundMark x1="92217" y1="23069" x2="85050" y2="36344"/>
-                        <a14:foregroundMark x1="85050" y1="36344" x2="7615" y2="27312"/>
-                        <a14:foregroundMark x1="7615" y1="27312" x2="672" y2="14363"/>
-                        <a14:foregroundMark x1="672" y1="14363" x2="616" y2="13819"/>
-                        <a14:foregroundMark x1="81187" y1="37867" x2="85834" y2="45593"/>
-                        <a14:foregroundMark x1="85834" y1="45593" x2="93337" y2="46137"/>
-                        <a14:foregroundMark x1="93337" y1="46137" x2="99608" y2="37650"/>
-                        <a14:foregroundMark x1="99608" y1="37650" x2="97872" y2="23830"/>
-                        <a14:foregroundMark x1="97872" y1="23830" x2="91489" y2="7399"/>
-                        <a14:foregroundMark x1="91489" y1="7399" x2="90538" y2="544"/>
-                        <a14:foregroundMark x1="94681" y1="15996" x2="99272" y2="26333"/>
-                        <a14:foregroundMark x1="99272" y1="26333" x2="99272" y2="26333"/>
-                        <a14:foregroundMark x1="83819" y1="36888" x2="89194" y2="44178"/>
-                        <a14:foregroundMark x1="89194" y1="44178" x2="98656" y2="37867"/>
-                        <a14:foregroundMark x1="98656" y1="37867" x2="97592" y2="24483"/>
-                        <a14:foregroundMark x1="97592" y1="24483" x2="92385" y2="11208"/>
-                        <a14:foregroundMark x1="92385" y1="11208" x2="89978" y2="27095"/>
-                        <a14:foregroundMark x1="89978" y1="27095" x2="85274" y2="34603"/>
-                        <a14:foregroundMark x1="85274" y1="34603" x2="84490" y2="37323"/>
-                        <a14:foregroundMark x1="93169" y1="18934" x2="88298" y2="30250"/>
-                        <a14:foregroundMark x1="88298" y1="30250" x2="92889" y2="41676"/>
-                        <a14:foregroundMark x1="92889" y1="41676" x2="97648" y2="32862"/>
-                        <a14:foregroundMark x1="97648" y1="32862" x2="92329" y2="20348"/>
-                        <a14:foregroundMark x1="92329" y1="20348" x2="91265" y2="19478"/>
-                        <a14:foregroundMark x1="93841" y1="30468" x2="90426" y2="29706"/>
-                        <a14:foregroundMark x1="92945" y1="28074" x2="96920" y2="37758"/>
-                        <a14:foregroundMark x1="96920" y1="37758" x2="91265" y2="30141"/>
-                        <a14:foregroundMark x1="91265" y1="30141" x2="91153" y2="31012"/>
-                        <a14:foregroundMark x1="93337" y1="29706" x2="88802" y2="37214"/>
-                        <a14:foregroundMark x1="88802" y1="37214" x2="94513" y2="40479"/>
-                        <a14:foregroundMark x1="94513" y1="40479" x2="91377" y2="30577"/>
-                        <a14:foregroundMark x1="91377" y1="30577" x2="91769" y2="32753"/>
-                        <a14:foregroundMark x1="92777" y1="31991" x2="89530" y2="35147"/>
-                        <a14:foregroundMark x1="75868" y1="27530" x2="75476" y2="30250"/>
-                        <a14:foregroundMark x1="73852" y1="29271" x2="73124" y2="30033"/>
-                        <a14:foregroundMark x1="34211" y1="30686" x2="41937" y2="35582"/>
-                        <a14:foregroundMark x1="41937" y1="35582" x2="43561" y2="31447"/>
-                        <a14:foregroundMark x1="34938" y1="29053" x2="38970" y2="35909"/>
-                        <a14:foregroundMark x1="35330" y1="30686" x2="38970" y2="32753"/>
-                        <a14:foregroundMark x1="33819" y1="30033" x2="39754" y2="35800"/>
-                        <a14:foregroundMark x1="39754" y1="35800" x2="39754" y2="35365"/>
-                        <a14:foregroundMark x1="33931" y1="29489" x2="40314" y2="35800"/>
-                        <a14:foregroundMark x1="40314" y1="35800" x2="40649" y2="32209"/>
-                        <a14:foregroundMark x1="33427" y1="29706" x2="39362" y2="33950"/>
-                        <a14:foregroundMark x1="43281" y1="31991" x2="34994" y2="34712"/>
-                        <a14:foregroundMark x1="34994" y1="34712" x2="31411" y2="31012"/>
-                        <a14:foregroundMark x1="89922" y1="9684" x2="7839" y2="871"/>
-                        <a14:foregroundMark x1="7839" y1="871" x2="112" y2="2720"/>
-                        <a14:foregroundMark x1="112" y1="2720" x2="6047" y2="12622"/>
-                        <a14:foregroundMark x1="6047" y1="12622" x2="24300" y2="17193"/>
-                        <a14:foregroundMark x1="24300" y1="17193" x2="47872" y2="16104"/>
-                        <a14:foregroundMark x1="47872" y1="16104" x2="79675" y2="18390"/>
-                        <a14:foregroundMark x1="79675" y1="18390" x2="97704" y2="14799"/>
-                        <a14:foregroundMark x1="97704" y1="14799" x2="90034" y2="9249"/>
-                        <a14:foregroundMark x1="90034" y1="9249" x2="89642" y2="9684"/>
-                        <a14:foregroundMark x1="40985" y1="1741" x2="56271" y2="13928"/>
-                        <a14:foregroundMark x1="56271" y1="13928" x2="85890" y2="11099"/>
-                        <a14:foregroundMark x1="85890" y1="11099" x2="91321" y2="4135"/>
-                        <a14:foregroundMark x1="91321" y1="4135" x2="42833" y2="871"/>
-                        <a14:foregroundMark x1="42833" y1="871" x2="40761" y2="2067"/>
-                        <a14:foregroundMark x1="91041" y1="52339" x2="45913" y2="42546"/>
-                        <a14:foregroundMark x1="45913" y1="42546" x2="5319" y2="51469"/>
-                        <a14:foregroundMark x1="5319" y1="51469" x2="224" y2="58760"/>
-                        <a14:foregroundMark x1="224" y1="58760" x2="336" y2="71382"/>
-                        <a14:foregroundMark x1="336" y1="71382" x2="7727" y2="84766"/>
-                        <a14:foregroundMark x1="18029" y1="88630" x2="18885" y2="88951"/>
-                        <a14:foregroundMark x1="37583" y1="95524" x2="37855" y2="95520"/>
-                        <a14:foregroundMark x1="70174" y1="99258" x2="73012" y2="99891"/>
-                        <a14:foregroundMark x1="73012" y1="99891" x2="90202" y2="95212"/>
-                        <a14:foregroundMark x1="90202" y1="95212" x2="90761" y2="52557"/>
-                        <a14:foregroundMark x1="89642" y1="55713" x2="75812" y2="51795"/>
-                        <a14:foregroundMark x1="75812" y1="51795" x2="66461" y2="55277"/>
-                        <a14:foregroundMark x1="66461" y1="55277" x2="68813" y2="70403"/>
-                        <a14:foregroundMark x1="68813" y1="70403" x2="77884" y2="79869"/>
-                        <a14:foregroundMark x1="77884" y1="79869" x2="86562" y2="73993"/>
-                        <a14:foregroundMark x1="86562" y1="73993" x2="88914" y2="55495"/>
-                        <a14:foregroundMark x1="86506" y1="75190" x2="91265" y2="84875"/>
-                        <a14:foregroundMark x1="91265" y1="84875" x2="89026" y2="95865"/>
-                        <a14:foregroundMark x1="89026" y1="95865" x2="78275" y2="98803"/>
-                        <a14:foregroundMark x1="78275" y1="98803" x2="68085" y2="85201"/>
-                        <a14:foregroundMark x1="68085" y1="85201" x2="70717" y2="73558"/>
-                        <a14:foregroundMark x1="70717" y1="73558" x2="77100" y2="72252"/>
-                        <a14:foregroundMark x1="77100" y1="72252" x2="85106" y2="78128"/>
-                        <a14:foregroundMark x1="78163" y1="77584" x2="69373" y2="77802"/>
-                        <a14:foregroundMark x1="69373" y1="77802" x2="74132" y2="91839"/>
-                        <a14:foregroundMark x1="74132" y1="91839" x2="83931" y2="97933"/>
-                        <a14:foregroundMark x1="83931" y1="97933" x2="88914" y2="91404"/>
-                        <a14:foregroundMark x1="88914" y1="91404" x2="83539" y2="74864"/>
-                        <a14:foregroundMark x1="83539" y1="74864" x2="77268" y2="78128"/>
-                        <a14:foregroundMark x1="77268" y1="78128" x2="77268" y2="78564"/>
-                        <a14:foregroundMark x1="81411" y1="79543" x2="72508" y2="81175"/>
-                        <a14:foregroundMark x1="72508" y1="81175" x2="76988" y2="91295"/>
-                        <a14:foregroundMark x1="76988" y1="91295" x2="87010" y2="97606"/>
-                        <a14:foregroundMark x1="87010" y1="97606" x2="85946" y2="85963"/>
-                        <a14:foregroundMark x1="85946" y1="85963" x2="79059" y2="76714"/>
-                        <a14:foregroundMark x1="79059" y1="76714" x2="78667" y2="77367"/>
-                        <a14:foregroundMark x1="69821" y1="53319" x2="61254" y2="47552"/>
-                        <a14:foregroundMark x1="61254" y1="47552" x2="37738" y2="50707"/>
-                        <a14:foregroundMark x1="37738" y1="50707" x2="26260" y2="45919"/>
-                        <a14:foregroundMark x1="26260" y1="45919" x2="39194" y2="58542"/>
-                        <a14:foregroundMark x1="39194" y1="58542" x2="68141" y2="52992"/>
-                        <a14:foregroundMark x1="68141" y1="52992" x2="69037" y2="53319"/>
-                        <a14:foregroundMark x1="59854" y1="50598" x2="50672" y2="51143"/>
-                        <a14:foregroundMark x1="50672" y1="51143" x2="61198" y2="55822"/>
-                        <a14:foregroundMark x1="61198" y1="55822" x2="55767" y2="50816"/>
-                        <a14:foregroundMark x1="55767" y1="50816" x2="55151" y2="52122"/>
-                        <a14:foregroundMark x1="65118" y1="74864" x2="57839" y2="77040"/>
-                        <a14:foregroundMark x1="57839" y1="77040" x2="63998" y2="86507"/>
-                        <a14:foregroundMark x1="63998" y1="86507" x2="62150" y2="73776"/>
-                        <a14:foregroundMark x1="62150" y1="73776" x2="60470" y2="71491"/>
-                        <a14:foregroundMark x1="52240" y1="77149" x2="62047" y2="88252"/>
-                        <a14:foregroundMark x1="69614" y1="90869" x2="61590" y2="76170"/>
-                        <a14:foregroundMark x1="61590" y1="76170" x2="54367" y2="71055"/>
-                        <a14:foregroundMark x1="54367" y1="71055" x2="52744" y2="78564"/>
-                        <a14:foregroundMark x1="41545" y1="78128" x2="34602" y2="76061"/>
-                        <a14:foregroundMark x1="34602" y1="76061" x2="41433" y2="85637"/>
-                        <a14:foregroundMark x1="41433" y1="85637" x2="39362" y2="76387"/>
-                        <a14:foregroundMark x1="43057" y1="73449" x2="39138" y2="76387"/>
-                        <a14:foregroundMark x1="39866" y1="81502" x2="54031" y2="78128"/>
-                        <a14:foregroundMark x1="54031" y1="78128" x2="43729" y2="75082"/>
-                        <a14:foregroundMark x1="43729" y1="75082" x2="40761" y2="83243"/>
-                        <a14:foregroundMark x1="34546" y1="77584" x2="3919" y2="83460"/>
-                        <a14:foregroundMark x1="3919" y1="83460" x2="12262" y2="72905"/>
-                        <a14:foregroundMark x1="12262" y1="72905" x2="32923" y2="76061"/>
-                        <a14:foregroundMark x1="32923" y1="76061" x2="34434" y2="75626"/>
-                        <a14:foregroundMark x1="2352" y1="77802" x2="4143" y2="83787"/>
-                        <a14:foregroundMark x1="4871" y1="50381" x2="4871" y2="52557"/>
-                        <a14:foregroundMark x1="3751" y1="52557" x2="112" y2="51143"/>
-                        <a14:foregroundMark x1="28611" y1="77802" x2="22564" y2="82263"/>
-                        <a14:foregroundMark x1="30123" y1="77802" x2="22732" y2="80196"/>
-                        <a14:foregroundMark x1="22732" y1="80196" x2="21165" y2="83460"/>
-                        <a14:foregroundMark x1="27604" y1="76170" x2="20549" y2="75952"/>
-                        <a14:foregroundMark x1="20549" y1="75952" x2="28108" y2="79543"/>
-                        <a14:foregroundMark x1="28108" y1="79543" x2="26764" y2="75626"/>
-                        <a14:foregroundMark x1="64278" y1="84766" x2="65845" y2="85310"/>
-                        <a14:backgroundMark x1="7279" y1="86725" x2="16293" y2="86289"/>
-                        <a14:backgroundMark x1="16293" y1="86289" x2="30459" y2="88792"/>
-                        <a14:backgroundMark x1="30459" y1="88792" x2="37626" y2="95430"/>
-                        <a14:backgroundMark x1="37626" y1="95430" x2="27772" y2="99674"/>
-                        <a14:backgroundMark x1="27772" y1="99674" x2="7447" y2="93580"/>
-                        <a14:backgroundMark x1="7447" y1="93580" x2="6887" y2="86942"/>
-                        <a14:backgroundMark x1="18533" y1="89880" x2="33819" y2="96300"/>
-                        <a14:backgroundMark x1="37850" y1="95539" x2="44121" y2="94995"/>
-                        <a14:backgroundMark x1="44121" y1="94995" x2="50280" y2="97388"/>
-                        <a14:backgroundMark x1="50280" y1="97388" x2="57559" y2="96300"/>
-                        <a14:backgroundMark x1="57559" y1="96300" x2="50392" y2="99565"/>
-                        <a14:backgroundMark x1="50392" y1="99565" x2="40258" y2="98477"/>
-                        <a14:backgroundMark x1="40258" y1="98477" x2="38018" y2="95865"/>
-                        <a14:backgroundMark x1="52576" y1="94342" x2="50112" y2="95430"/>
-                        <a14:backgroundMark x1="61590" y1="89445" x2="70325" y2="93362"/>
-                        <a14:backgroundMark x1="70325" y1="93362" x2="63438" y2="94233"/>
-                        <a14:backgroundMark x1="63438" y1="94233" x2="72452" y2="96083"/>
-                        <a14:backgroundMark x1="72452" y1="96083" x2="64054" y2="95647"/>
-                        <a14:backgroundMark x1="64054" y1="95647" x2="70269" y2="99021"/>
-                        <a14:backgroundMark x1="70269" y1="99021" x2="69037" y2="96736"/>
-                        <a14:backgroundMark x1="57615" y1="96844" x2="63942" y2="98803"/>
-                        <a14:backgroundMark x1="63942" y1="98803" x2="64166" y2="97933"/>
-                        <a14:backgroundMark x1="72676" y1="95321" x2="74076" y2="98259"/>
-                      </a14:backgroundRemoval>
-                    </a14:imgEffect>
-                  </a14:imgLayer>
-                </a14:imgProps>
-              </a:ext>
-              <a:ext uri="{28A0092B-C50C-407E-A947-70E740481C1C}">
-                <a14:useLocalDpi xmlns:a14="http://schemas.microsoft.com/office/drawing/2010/main" val="0"/>
-              </a:ext>
-            </a:extLst>
-          </a:blip>
-          <a:srcRect/>
-          <a:stretch>
-            <a:fillRect/>
-          </a:stretch>
-        </p:blipFill>
-        <p:spPr bwMode="auto">
-          <a:xfrm>
             <a:off x="2430673" y="2916649"/>
             <a:ext cx="8042988" cy="4140882"/>
           </a:xfrm>
@@ -5607,8 +5993,8 @@
         </p:nvSpPr>
         <p:spPr>
           <a:xfrm>
-            <a:off x="693575" y="1309936"/>
-            <a:ext cx="10804849" cy="4708981"/>
+            <a:off x="693575" y="1272614"/>
+            <a:ext cx="10804849" cy="5847755"/>
           </a:xfrm>
           <a:prstGeom prst="rect">
             <a:avLst/>
@@ -5764,13 +6150,13 @@
             </a:r>
             <a:r>
               <a:rPr lang="en-IN" sz="1400" dirty="0"/>
-              <a:t> in review system leading to a balanced system. This system is already </a:t>
+              <a:t> in review system when they score a movie leading to a balanced  </a:t>
             </a:r>
           </a:p>
           <a:p>
             <a:r>
               <a:rPr lang="en-IN" sz="1400" dirty="0"/>
-              <a:t>         used in recommendation section.</a:t>
+              <a:t>         system. This system is already used in recommendation section.</a:t>
             </a:r>
           </a:p>
           <a:p>
@@ -5870,6 +6256,39 @@
             <a:r>
               <a:rPr lang="en-IN" sz="1400" dirty="0"/>
               <a:t>.</a:t>
+            </a:r>
+          </a:p>
+          <a:p>
+            <a:pPr marL="342900" indent="-342900">
+              <a:buAutoNum type="arabicPeriod" startAt="4"/>
+            </a:pPr>
+            <a:r>
+              <a:rPr lang="en-IN" dirty="0"/>
+              <a:t>Movie tags </a:t>
+            </a:r>
+          </a:p>
+          <a:p>
+            <a:r>
+              <a:rPr lang="en-IN" sz="1400" dirty="0"/>
+              <a:t>                 Movie tags already exists such as ‘must watch’, ‘masterpiece’, ‘classic’. But we add more of them and important part of intrinsic   </a:t>
+            </a:r>
+          </a:p>
+          <a:p>
+            <a:r>
+              <a:rPr lang="en-IN" sz="1400" dirty="0"/>
+              <a:t>         reviewing. </a:t>
+            </a:r>
+          </a:p>
+          <a:p>
+            <a:r>
+              <a:rPr lang="en-IN" sz="1400" dirty="0">
+                <a:solidFill>
+                  <a:schemeClr val="bg2">
+                    <a:lumMod val="75000"/>
+                  </a:schemeClr>
+                </a:solidFill>
+              </a:rPr>
+              <a:t>Yeah many more in thought process…</a:t>
             </a:r>
           </a:p>
         </p:txBody>
@@ -5969,7 +6388,7 @@
         </p:blipFill>
         <p:spPr bwMode="auto">
           <a:xfrm>
-            <a:off x="1284006" y="909384"/>
+            <a:off x="1274481" y="909384"/>
             <a:ext cx="1503712" cy="2230016"/>
           </a:xfrm>
           <a:prstGeom prst="rect">
